--- a/Itérations/Présentation IT0.pptx
+++ b/Itérations/Présentation IT0.pptx
@@ -5,6 +5,9 @@
     <p:sldMasterId id="2147483661" r:id="rId1"/>
     <p:sldMasterId id="2147483721" r:id="rId2"/>
   </p:sldMasterIdLst>
+  <p:notesMasterIdLst>
+    <p:notesMasterId r:id="rId10"/>
+  </p:notesMasterIdLst>
   <p:sldIdLst>
     <p:sldId id="256" r:id="rId3"/>
     <p:sldId id="257" r:id="rId4"/>
@@ -111,6 +114,11 @@
       </a:defRPr>
     </a:lvl9pPr>
   </p:defaultTextStyle>
+  <p:extLst>
+    <p:ext uri="{EFAFB233-063F-42B5-8137-9DF3F51BA10A}">
+      <p15:sldGuideLst xmlns:p15="http://schemas.microsoft.com/office/powerpoint/2012/main"/>
+    </p:ext>
+  </p:extLst>
 </p:presentation>
 </file>
 
@@ -118,6 +126,965 @@
 <p:cmAuthorLst xmlns:a="http://schemas.openxmlformats.org/drawingml/2006/main" xmlns:r="http://schemas.openxmlformats.org/officeDocument/2006/relationships" xmlns:p="http://schemas.openxmlformats.org/presentationml/2006/main">
   <p:cmAuthor id="0" name="" initials="" lastIdx="1" clrIdx="0"/>
 </p:cmAuthorLst>
+</file>
+
+<file path=ppt/notesMasters/notesMaster1.xml><?xml version="1.0" encoding="utf-8"?>
+<p:notesMaster xmlns:a="http://schemas.openxmlformats.org/drawingml/2006/main" xmlns:r="http://schemas.openxmlformats.org/officeDocument/2006/relationships" xmlns:p="http://schemas.openxmlformats.org/presentationml/2006/main">
+  <p:cSld>
+    <p:bg>
+      <p:bgRef idx="1001">
+        <a:schemeClr val="bg1"/>
+      </p:bgRef>
+    </p:bg>
+    <p:spTree>
+      <p:nvGrpSpPr>
+        <p:cNvPr id="1" name=""/>
+        <p:cNvGrpSpPr/>
+        <p:nvPr/>
+      </p:nvGrpSpPr>
+      <p:grpSpPr>
+        <a:xfrm>
+          <a:off x="0" y="0"/>
+          <a:ext cx="0" cy="0"/>
+          <a:chOff x="0" y="0"/>
+          <a:chExt cx="0" cy="0"/>
+        </a:xfrm>
+      </p:grpSpPr>
+      <p:sp>
+        <p:nvSpPr>
+          <p:cNvPr id="2" name="Espace réservé de l'en-tête 1"/>
+          <p:cNvSpPr>
+            <a:spLocks noGrp="1"/>
+          </p:cNvSpPr>
+          <p:nvPr>
+            <p:ph type="hdr" sz="quarter"/>
+          </p:nvPr>
+        </p:nvSpPr>
+        <p:spPr>
+          <a:xfrm>
+            <a:off x="0" y="0"/>
+            <a:ext cx="3368675" cy="504825"/>
+          </a:xfrm>
+          <a:prstGeom prst="rect">
+            <a:avLst/>
+          </a:prstGeom>
+        </p:spPr>
+        <p:txBody>
+          <a:bodyPr vert="horz" lIns="91440" tIns="45720" rIns="91440" bIns="45720" rtlCol="0"/>
+          <a:lstStyle>
+            <a:lvl1pPr algn="l">
+              <a:defRPr sz="1200"/>
+            </a:lvl1pPr>
+          </a:lstStyle>
+          <a:p>
+            <a:endParaRPr lang="fr-FR"/>
+          </a:p>
+        </p:txBody>
+      </p:sp>
+      <p:sp>
+        <p:nvSpPr>
+          <p:cNvPr id="3" name="Espace réservé de la date 2"/>
+          <p:cNvSpPr>
+            <a:spLocks noGrp="1"/>
+          </p:cNvSpPr>
+          <p:nvPr>
+            <p:ph type="dt" idx="1"/>
+          </p:nvPr>
+        </p:nvSpPr>
+        <p:spPr>
+          <a:xfrm>
+            <a:off x="4402138" y="0"/>
+            <a:ext cx="3368675" cy="504825"/>
+          </a:xfrm>
+          <a:prstGeom prst="rect">
+            <a:avLst/>
+          </a:prstGeom>
+        </p:spPr>
+        <p:txBody>
+          <a:bodyPr vert="horz" lIns="91440" tIns="45720" rIns="91440" bIns="45720" rtlCol="0"/>
+          <a:lstStyle>
+            <a:lvl1pPr algn="r">
+              <a:defRPr sz="1200"/>
+            </a:lvl1pPr>
+          </a:lstStyle>
+          <a:p>
+            <a:fld id="{D3CBC699-985C-4670-9E09-1EFD0EAA6BEB}" type="datetimeFigureOut">
+              <a:rPr lang="fr-FR" smtClean="0"/>
+              <a:t>24/10/2016</a:t>
+            </a:fld>
+            <a:endParaRPr lang="fr-FR"/>
+          </a:p>
+        </p:txBody>
+      </p:sp>
+      <p:sp>
+        <p:nvSpPr>
+          <p:cNvPr id="4" name="Espace réservé de l'image des diapositives 3"/>
+          <p:cNvSpPr>
+            <a:spLocks noGrp="1" noRot="1" noChangeAspect="1"/>
+          </p:cNvSpPr>
+          <p:nvPr>
+            <p:ph type="sldImg" idx="2"/>
+          </p:nvPr>
+        </p:nvSpPr>
+        <p:spPr>
+          <a:xfrm>
+            <a:off x="1624013" y="1257300"/>
+            <a:ext cx="4524375" cy="3394075"/>
+          </a:xfrm>
+          <a:prstGeom prst="rect">
+            <a:avLst/>
+          </a:prstGeom>
+          <a:noFill/>
+          <a:ln w="12700">
+            <a:solidFill>
+              <a:prstClr val="black"/>
+            </a:solidFill>
+          </a:ln>
+        </p:spPr>
+        <p:txBody>
+          <a:bodyPr vert="horz" lIns="91440" tIns="45720" rIns="91440" bIns="45720" rtlCol="0" anchor="ctr"/>
+          <a:lstStyle/>
+          <a:p>
+            <a:endParaRPr lang="fr-FR"/>
+          </a:p>
+        </p:txBody>
+      </p:sp>
+      <p:sp>
+        <p:nvSpPr>
+          <p:cNvPr id="5" name="Espace réservé des notes 4"/>
+          <p:cNvSpPr>
+            <a:spLocks noGrp="1"/>
+          </p:cNvSpPr>
+          <p:nvPr>
+            <p:ph type="body" sz="quarter" idx="3"/>
+          </p:nvPr>
+        </p:nvSpPr>
+        <p:spPr>
+          <a:xfrm>
+            <a:off x="777875" y="4840288"/>
+            <a:ext cx="6216650" cy="3960812"/>
+          </a:xfrm>
+          <a:prstGeom prst="rect">
+            <a:avLst/>
+          </a:prstGeom>
+        </p:spPr>
+        <p:txBody>
+          <a:bodyPr vert="horz" lIns="91440" tIns="45720" rIns="91440" bIns="45720" rtlCol="0"/>
+          <a:lstStyle/>
+          <a:p>
+            <a:pPr lvl="0"/>
+            <a:r>
+              <a:rPr lang="fr-FR"/>
+              <a:t>Modifier les styles du texte du masque</a:t>
+            </a:r>
+          </a:p>
+          <a:p>
+            <a:pPr lvl="1"/>
+            <a:r>
+              <a:rPr lang="fr-FR"/>
+              <a:t>Deuxième niveau</a:t>
+            </a:r>
+          </a:p>
+          <a:p>
+            <a:pPr lvl="2"/>
+            <a:r>
+              <a:rPr lang="fr-FR"/>
+              <a:t>Troisième niveau</a:t>
+            </a:r>
+          </a:p>
+          <a:p>
+            <a:pPr lvl="3"/>
+            <a:r>
+              <a:rPr lang="fr-FR"/>
+              <a:t>Quatrième niveau</a:t>
+            </a:r>
+          </a:p>
+          <a:p>
+            <a:pPr lvl="4"/>
+            <a:r>
+              <a:rPr lang="fr-FR"/>
+              <a:t>Cinquième niveau</a:t>
+            </a:r>
+          </a:p>
+        </p:txBody>
+      </p:sp>
+      <p:sp>
+        <p:nvSpPr>
+          <p:cNvPr id="6" name="Espace réservé du pied de page 5"/>
+          <p:cNvSpPr>
+            <a:spLocks noGrp="1"/>
+          </p:cNvSpPr>
+          <p:nvPr>
+            <p:ph type="ftr" sz="quarter" idx="4"/>
+          </p:nvPr>
+        </p:nvSpPr>
+        <p:spPr>
+          <a:xfrm>
+            <a:off x="0" y="9553575"/>
+            <a:ext cx="3368675" cy="504825"/>
+          </a:xfrm>
+          <a:prstGeom prst="rect">
+            <a:avLst/>
+          </a:prstGeom>
+        </p:spPr>
+        <p:txBody>
+          <a:bodyPr vert="horz" lIns="91440" tIns="45720" rIns="91440" bIns="45720" rtlCol="0" anchor="b"/>
+          <a:lstStyle>
+            <a:lvl1pPr algn="l">
+              <a:defRPr sz="1200"/>
+            </a:lvl1pPr>
+          </a:lstStyle>
+          <a:p>
+            <a:endParaRPr lang="fr-FR"/>
+          </a:p>
+        </p:txBody>
+      </p:sp>
+      <p:sp>
+        <p:nvSpPr>
+          <p:cNvPr id="7" name="Espace réservé du numéro de diapositive 6"/>
+          <p:cNvSpPr>
+            <a:spLocks noGrp="1"/>
+          </p:cNvSpPr>
+          <p:nvPr>
+            <p:ph type="sldNum" sz="quarter" idx="5"/>
+          </p:nvPr>
+        </p:nvSpPr>
+        <p:spPr>
+          <a:xfrm>
+            <a:off x="4402138" y="9553575"/>
+            <a:ext cx="3368675" cy="504825"/>
+          </a:xfrm>
+          <a:prstGeom prst="rect">
+            <a:avLst/>
+          </a:prstGeom>
+        </p:spPr>
+        <p:txBody>
+          <a:bodyPr vert="horz" lIns="91440" tIns="45720" rIns="91440" bIns="45720" rtlCol="0" anchor="b"/>
+          <a:lstStyle>
+            <a:lvl1pPr algn="r">
+              <a:defRPr sz="1200"/>
+            </a:lvl1pPr>
+          </a:lstStyle>
+          <a:p>
+            <a:fld id="{96A8DA0A-CDAF-4731-95C9-68D0B5CD43CA}" type="slidenum">
+              <a:rPr lang="fr-FR" smtClean="0"/>
+              <a:t>‹N°›</a:t>
+            </a:fld>
+            <a:endParaRPr lang="fr-FR"/>
+          </a:p>
+        </p:txBody>
+      </p:sp>
+    </p:spTree>
+    <p:extLst>
+      <p:ext uri="{BB962C8B-B14F-4D97-AF65-F5344CB8AC3E}">
+        <p14:creationId xmlns:p14="http://schemas.microsoft.com/office/powerpoint/2010/main" val="3450699589"/>
+      </p:ext>
+    </p:extLst>
+  </p:cSld>
+  <p:clrMap bg1="lt1" tx1="dk1" bg2="lt2" tx2="dk2" accent1="accent1" accent2="accent2" accent3="accent3" accent4="accent4" accent5="accent5" accent6="accent6" hlink="hlink" folHlink="folHlink"/>
+  <p:notesStyle>
+    <a:lvl1pPr marL="0" algn="l" defTabSz="914400" rtl="0" eaLnBrk="1" latinLnBrk="0" hangingPunct="1">
+      <a:defRPr sz="1200" kern="1200">
+        <a:solidFill>
+          <a:schemeClr val="tx1"/>
+        </a:solidFill>
+        <a:latin typeface="+mn-lt"/>
+        <a:ea typeface="+mn-ea"/>
+        <a:cs typeface="+mn-cs"/>
+      </a:defRPr>
+    </a:lvl1pPr>
+    <a:lvl2pPr marL="457200" algn="l" defTabSz="914400" rtl="0" eaLnBrk="1" latinLnBrk="0" hangingPunct="1">
+      <a:defRPr sz="1200" kern="1200">
+        <a:solidFill>
+          <a:schemeClr val="tx1"/>
+        </a:solidFill>
+        <a:latin typeface="+mn-lt"/>
+        <a:ea typeface="+mn-ea"/>
+        <a:cs typeface="+mn-cs"/>
+      </a:defRPr>
+    </a:lvl2pPr>
+    <a:lvl3pPr marL="914400" algn="l" defTabSz="914400" rtl="0" eaLnBrk="1" latinLnBrk="0" hangingPunct="1">
+      <a:defRPr sz="1200" kern="1200">
+        <a:solidFill>
+          <a:schemeClr val="tx1"/>
+        </a:solidFill>
+        <a:latin typeface="+mn-lt"/>
+        <a:ea typeface="+mn-ea"/>
+        <a:cs typeface="+mn-cs"/>
+      </a:defRPr>
+    </a:lvl3pPr>
+    <a:lvl4pPr marL="1371600" algn="l" defTabSz="914400" rtl="0" eaLnBrk="1" latinLnBrk="0" hangingPunct="1">
+      <a:defRPr sz="1200" kern="1200">
+        <a:solidFill>
+          <a:schemeClr val="tx1"/>
+        </a:solidFill>
+        <a:latin typeface="+mn-lt"/>
+        <a:ea typeface="+mn-ea"/>
+        <a:cs typeface="+mn-cs"/>
+      </a:defRPr>
+    </a:lvl4pPr>
+    <a:lvl5pPr marL="1828800" algn="l" defTabSz="914400" rtl="0" eaLnBrk="1" latinLnBrk="0" hangingPunct="1">
+      <a:defRPr sz="1200" kern="1200">
+        <a:solidFill>
+          <a:schemeClr val="tx1"/>
+        </a:solidFill>
+        <a:latin typeface="+mn-lt"/>
+        <a:ea typeface="+mn-ea"/>
+        <a:cs typeface="+mn-cs"/>
+      </a:defRPr>
+    </a:lvl5pPr>
+    <a:lvl6pPr marL="2286000" algn="l" defTabSz="914400" rtl="0" eaLnBrk="1" latinLnBrk="0" hangingPunct="1">
+      <a:defRPr sz="1200" kern="1200">
+        <a:solidFill>
+          <a:schemeClr val="tx1"/>
+        </a:solidFill>
+        <a:latin typeface="+mn-lt"/>
+        <a:ea typeface="+mn-ea"/>
+        <a:cs typeface="+mn-cs"/>
+      </a:defRPr>
+    </a:lvl6pPr>
+    <a:lvl7pPr marL="2743200" algn="l" defTabSz="914400" rtl="0" eaLnBrk="1" latinLnBrk="0" hangingPunct="1">
+      <a:defRPr sz="1200" kern="1200">
+        <a:solidFill>
+          <a:schemeClr val="tx1"/>
+        </a:solidFill>
+        <a:latin typeface="+mn-lt"/>
+        <a:ea typeface="+mn-ea"/>
+        <a:cs typeface="+mn-cs"/>
+      </a:defRPr>
+    </a:lvl7pPr>
+    <a:lvl8pPr marL="3200400" algn="l" defTabSz="914400" rtl="0" eaLnBrk="1" latinLnBrk="0" hangingPunct="1">
+      <a:defRPr sz="1200" kern="1200">
+        <a:solidFill>
+          <a:schemeClr val="tx1"/>
+        </a:solidFill>
+        <a:latin typeface="+mn-lt"/>
+        <a:ea typeface="+mn-ea"/>
+        <a:cs typeface="+mn-cs"/>
+      </a:defRPr>
+    </a:lvl8pPr>
+    <a:lvl9pPr marL="3657600" algn="l" defTabSz="914400" rtl="0" eaLnBrk="1" latinLnBrk="0" hangingPunct="1">
+      <a:defRPr sz="1200" kern="1200">
+        <a:solidFill>
+          <a:schemeClr val="tx1"/>
+        </a:solidFill>
+        <a:latin typeface="+mn-lt"/>
+        <a:ea typeface="+mn-ea"/>
+        <a:cs typeface="+mn-cs"/>
+      </a:defRPr>
+    </a:lvl9pPr>
+  </p:notesStyle>
+</p:notesMaster>
+</file>
+
+<file path=ppt/notesSlides/notesSlide1.xml><?xml version="1.0" encoding="utf-8"?>
+<p:notes xmlns:a="http://schemas.openxmlformats.org/drawingml/2006/main" xmlns:r="http://schemas.openxmlformats.org/officeDocument/2006/relationships" xmlns:p="http://schemas.openxmlformats.org/presentationml/2006/main">
+  <p:cSld>
+    <p:spTree>
+      <p:nvGrpSpPr>
+        <p:cNvPr id="1" name=""/>
+        <p:cNvGrpSpPr/>
+        <p:nvPr/>
+      </p:nvGrpSpPr>
+      <p:grpSpPr>
+        <a:xfrm>
+          <a:off x="0" y="0"/>
+          <a:ext cx="0" cy="0"/>
+          <a:chOff x="0" y="0"/>
+          <a:chExt cx="0" cy="0"/>
+        </a:xfrm>
+      </p:grpSpPr>
+      <p:sp>
+        <p:nvSpPr>
+          <p:cNvPr id="2" name="Espace réservé de l'image des diapositives 1"/>
+          <p:cNvSpPr>
+            <a:spLocks noGrp="1" noRot="1" noChangeAspect="1"/>
+          </p:cNvSpPr>
+          <p:nvPr>
+            <p:ph type="sldImg"/>
+          </p:nvPr>
+        </p:nvSpPr>
+        <p:spPr/>
+      </p:sp>
+      <p:sp>
+        <p:nvSpPr>
+          <p:cNvPr id="3" name="Espace réservé des notes 2"/>
+          <p:cNvSpPr>
+            <a:spLocks noGrp="1"/>
+          </p:cNvSpPr>
+          <p:nvPr>
+            <p:ph type="body" idx="1"/>
+          </p:nvPr>
+        </p:nvSpPr>
+        <p:spPr/>
+        <p:txBody>
+          <a:bodyPr/>
+          <a:lstStyle/>
+          <a:p>
+            <a:r>
+              <a:rPr lang="fr-FR" dirty="0"/>
+              <a:t>Thibaud</a:t>
+            </a:r>
+          </a:p>
+        </p:txBody>
+      </p:sp>
+      <p:sp>
+        <p:nvSpPr>
+          <p:cNvPr id="4" name="Espace réservé du numéro de diapositive 3"/>
+          <p:cNvSpPr>
+            <a:spLocks noGrp="1"/>
+          </p:cNvSpPr>
+          <p:nvPr>
+            <p:ph type="sldNum" sz="quarter" idx="10"/>
+          </p:nvPr>
+        </p:nvSpPr>
+        <p:spPr/>
+        <p:txBody>
+          <a:bodyPr/>
+          <a:lstStyle/>
+          <a:p>
+            <a:fld id="{96A8DA0A-CDAF-4731-95C9-68D0B5CD43CA}" type="slidenum">
+              <a:rPr lang="fr-FR" smtClean="0"/>
+              <a:t>1</a:t>
+            </a:fld>
+            <a:endParaRPr lang="fr-FR"/>
+          </a:p>
+        </p:txBody>
+      </p:sp>
+    </p:spTree>
+    <p:extLst>
+      <p:ext uri="{BB962C8B-B14F-4D97-AF65-F5344CB8AC3E}">
+        <p14:creationId xmlns:p14="http://schemas.microsoft.com/office/powerpoint/2010/main" val="2599254867"/>
+      </p:ext>
+    </p:extLst>
+  </p:cSld>
+  <p:clrMapOvr>
+    <a:masterClrMapping/>
+  </p:clrMapOvr>
+</p:notes>
+</file>
+
+<file path=ppt/notesSlides/notesSlide2.xml><?xml version="1.0" encoding="utf-8"?>
+<p:notes xmlns:a="http://schemas.openxmlformats.org/drawingml/2006/main" xmlns:r="http://schemas.openxmlformats.org/officeDocument/2006/relationships" xmlns:p="http://schemas.openxmlformats.org/presentationml/2006/main">
+  <p:cSld>
+    <p:spTree>
+      <p:nvGrpSpPr>
+        <p:cNvPr id="1" name=""/>
+        <p:cNvGrpSpPr/>
+        <p:nvPr/>
+      </p:nvGrpSpPr>
+      <p:grpSpPr>
+        <a:xfrm>
+          <a:off x="0" y="0"/>
+          <a:ext cx="0" cy="0"/>
+          <a:chOff x="0" y="0"/>
+          <a:chExt cx="0" cy="0"/>
+        </a:xfrm>
+      </p:grpSpPr>
+      <p:sp>
+        <p:nvSpPr>
+          <p:cNvPr id="2" name="Espace réservé de l'image des diapositives 1"/>
+          <p:cNvSpPr>
+            <a:spLocks noGrp="1" noRot="1" noChangeAspect="1"/>
+          </p:cNvSpPr>
+          <p:nvPr>
+            <p:ph type="sldImg"/>
+          </p:nvPr>
+        </p:nvSpPr>
+        <p:spPr/>
+      </p:sp>
+      <p:sp>
+        <p:nvSpPr>
+          <p:cNvPr id="3" name="Espace réservé des notes 2"/>
+          <p:cNvSpPr>
+            <a:spLocks noGrp="1"/>
+          </p:cNvSpPr>
+          <p:nvPr>
+            <p:ph type="body" idx="1"/>
+          </p:nvPr>
+        </p:nvSpPr>
+        <p:spPr/>
+        <p:txBody>
+          <a:bodyPr/>
+          <a:lstStyle/>
+          <a:p>
+            <a:r>
+              <a:rPr lang="fr-FR" dirty="0"/>
+              <a:t>Antonin</a:t>
+            </a:r>
+          </a:p>
+        </p:txBody>
+      </p:sp>
+      <p:sp>
+        <p:nvSpPr>
+          <p:cNvPr id="4" name="Espace réservé du numéro de diapositive 3"/>
+          <p:cNvSpPr>
+            <a:spLocks noGrp="1"/>
+          </p:cNvSpPr>
+          <p:nvPr>
+            <p:ph type="sldNum" sz="quarter" idx="10"/>
+          </p:nvPr>
+        </p:nvSpPr>
+        <p:spPr/>
+        <p:txBody>
+          <a:bodyPr/>
+          <a:lstStyle/>
+          <a:p>
+            <a:fld id="{96A8DA0A-CDAF-4731-95C9-68D0B5CD43CA}" type="slidenum">
+              <a:rPr lang="fr-FR" smtClean="0"/>
+              <a:t>2</a:t>
+            </a:fld>
+            <a:endParaRPr lang="fr-FR"/>
+          </a:p>
+        </p:txBody>
+      </p:sp>
+    </p:spTree>
+    <p:extLst>
+      <p:ext uri="{BB962C8B-B14F-4D97-AF65-F5344CB8AC3E}">
+        <p14:creationId xmlns:p14="http://schemas.microsoft.com/office/powerpoint/2010/main" val="1611674354"/>
+      </p:ext>
+    </p:extLst>
+  </p:cSld>
+  <p:clrMapOvr>
+    <a:masterClrMapping/>
+  </p:clrMapOvr>
+</p:notes>
+</file>
+
+<file path=ppt/notesSlides/notesSlide3.xml><?xml version="1.0" encoding="utf-8"?>
+<p:notes xmlns:a="http://schemas.openxmlformats.org/drawingml/2006/main" xmlns:r="http://schemas.openxmlformats.org/officeDocument/2006/relationships" xmlns:p="http://schemas.openxmlformats.org/presentationml/2006/main">
+  <p:cSld>
+    <p:spTree>
+      <p:nvGrpSpPr>
+        <p:cNvPr id="1" name=""/>
+        <p:cNvGrpSpPr/>
+        <p:nvPr/>
+      </p:nvGrpSpPr>
+      <p:grpSpPr>
+        <a:xfrm>
+          <a:off x="0" y="0"/>
+          <a:ext cx="0" cy="0"/>
+          <a:chOff x="0" y="0"/>
+          <a:chExt cx="0" cy="0"/>
+        </a:xfrm>
+      </p:grpSpPr>
+      <p:sp>
+        <p:nvSpPr>
+          <p:cNvPr id="2" name="Espace réservé de l'image des diapositives 1"/>
+          <p:cNvSpPr>
+            <a:spLocks noGrp="1" noRot="1" noChangeAspect="1"/>
+          </p:cNvSpPr>
+          <p:nvPr>
+            <p:ph type="sldImg"/>
+          </p:nvPr>
+        </p:nvSpPr>
+        <p:spPr/>
+      </p:sp>
+      <p:sp>
+        <p:nvSpPr>
+          <p:cNvPr id="3" name="Espace réservé des notes 2"/>
+          <p:cNvSpPr>
+            <a:spLocks noGrp="1"/>
+          </p:cNvSpPr>
+          <p:nvPr>
+            <p:ph type="body" idx="1"/>
+          </p:nvPr>
+        </p:nvSpPr>
+        <p:spPr/>
+        <p:txBody>
+          <a:bodyPr/>
+          <a:lstStyle/>
+          <a:p>
+            <a:r>
+              <a:rPr lang="fr-FR" dirty="0"/>
+              <a:t>Léo</a:t>
+            </a:r>
+          </a:p>
+        </p:txBody>
+      </p:sp>
+      <p:sp>
+        <p:nvSpPr>
+          <p:cNvPr id="4" name="Espace réservé du numéro de diapositive 3"/>
+          <p:cNvSpPr>
+            <a:spLocks noGrp="1"/>
+          </p:cNvSpPr>
+          <p:nvPr>
+            <p:ph type="sldNum" sz="quarter" idx="10"/>
+          </p:nvPr>
+        </p:nvSpPr>
+        <p:spPr/>
+        <p:txBody>
+          <a:bodyPr/>
+          <a:lstStyle/>
+          <a:p>
+            <a:fld id="{96A8DA0A-CDAF-4731-95C9-68D0B5CD43CA}" type="slidenum">
+              <a:rPr lang="fr-FR" smtClean="0"/>
+              <a:t>3</a:t>
+            </a:fld>
+            <a:endParaRPr lang="fr-FR"/>
+          </a:p>
+        </p:txBody>
+      </p:sp>
+    </p:spTree>
+    <p:extLst>
+      <p:ext uri="{BB962C8B-B14F-4D97-AF65-F5344CB8AC3E}">
+        <p14:creationId xmlns:p14="http://schemas.microsoft.com/office/powerpoint/2010/main" val="2712584624"/>
+      </p:ext>
+    </p:extLst>
+  </p:cSld>
+  <p:clrMapOvr>
+    <a:masterClrMapping/>
+  </p:clrMapOvr>
+</p:notes>
+</file>
+
+<file path=ppt/notesSlides/notesSlide4.xml><?xml version="1.0" encoding="utf-8"?>
+<p:notes xmlns:a="http://schemas.openxmlformats.org/drawingml/2006/main" xmlns:r="http://schemas.openxmlformats.org/officeDocument/2006/relationships" xmlns:p="http://schemas.openxmlformats.org/presentationml/2006/main">
+  <p:cSld>
+    <p:spTree>
+      <p:nvGrpSpPr>
+        <p:cNvPr id="1" name=""/>
+        <p:cNvGrpSpPr/>
+        <p:nvPr/>
+      </p:nvGrpSpPr>
+      <p:grpSpPr>
+        <a:xfrm>
+          <a:off x="0" y="0"/>
+          <a:ext cx="0" cy="0"/>
+          <a:chOff x="0" y="0"/>
+          <a:chExt cx="0" cy="0"/>
+        </a:xfrm>
+      </p:grpSpPr>
+      <p:sp>
+        <p:nvSpPr>
+          <p:cNvPr id="2" name="Espace réservé de l'image des diapositives 1"/>
+          <p:cNvSpPr>
+            <a:spLocks noGrp="1" noRot="1" noChangeAspect="1"/>
+          </p:cNvSpPr>
+          <p:nvPr>
+            <p:ph type="sldImg"/>
+          </p:nvPr>
+        </p:nvSpPr>
+        <p:spPr/>
+      </p:sp>
+      <p:sp>
+        <p:nvSpPr>
+          <p:cNvPr id="3" name="Espace réservé des notes 2"/>
+          <p:cNvSpPr>
+            <a:spLocks noGrp="1"/>
+          </p:cNvSpPr>
+          <p:nvPr>
+            <p:ph type="body" idx="1"/>
+          </p:nvPr>
+        </p:nvSpPr>
+        <p:spPr/>
+        <p:txBody>
+          <a:bodyPr/>
+          <a:lstStyle/>
+          <a:p>
+            <a:r>
+              <a:rPr lang="fr-FR" dirty="0"/>
+              <a:t>Thibaud</a:t>
+            </a:r>
+          </a:p>
+        </p:txBody>
+      </p:sp>
+      <p:sp>
+        <p:nvSpPr>
+          <p:cNvPr id="4" name="Espace réservé du numéro de diapositive 3"/>
+          <p:cNvSpPr>
+            <a:spLocks noGrp="1"/>
+          </p:cNvSpPr>
+          <p:nvPr>
+            <p:ph type="sldNum" sz="quarter" idx="10"/>
+          </p:nvPr>
+        </p:nvSpPr>
+        <p:spPr/>
+        <p:txBody>
+          <a:bodyPr/>
+          <a:lstStyle/>
+          <a:p>
+            <a:fld id="{96A8DA0A-CDAF-4731-95C9-68D0B5CD43CA}" type="slidenum">
+              <a:rPr lang="fr-FR" smtClean="0"/>
+              <a:t>4</a:t>
+            </a:fld>
+            <a:endParaRPr lang="fr-FR"/>
+          </a:p>
+        </p:txBody>
+      </p:sp>
+    </p:spTree>
+    <p:extLst>
+      <p:ext uri="{BB962C8B-B14F-4D97-AF65-F5344CB8AC3E}">
+        <p14:creationId xmlns:p14="http://schemas.microsoft.com/office/powerpoint/2010/main" val="3250970922"/>
+      </p:ext>
+    </p:extLst>
+  </p:cSld>
+  <p:clrMapOvr>
+    <a:masterClrMapping/>
+  </p:clrMapOvr>
+</p:notes>
+</file>
+
+<file path=ppt/notesSlides/notesSlide5.xml><?xml version="1.0" encoding="utf-8"?>
+<p:notes xmlns:a="http://schemas.openxmlformats.org/drawingml/2006/main" xmlns:r="http://schemas.openxmlformats.org/officeDocument/2006/relationships" xmlns:p="http://schemas.openxmlformats.org/presentationml/2006/main">
+  <p:cSld>
+    <p:spTree>
+      <p:nvGrpSpPr>
+        <p:cNvPr id="1" name=""/>
+        <p:cNvGrpSpPr/>
+        <p:nvPr/>
+      </p:nvGrpSpPr>
+      <p:grpSpPr>
+        <a:xfrm>
+          <a:off x="0" y="0"/>
+          <a:ext cx="0" cy="0"/>
+          <a:chOff x="0" y="0"/>
+          <a:chExt cx="0" cy="0"/>
+        </a:xfrm>
+      </p:grpSpPr>
+      <p:sp>
+        <p:nvSpPr>
+          <p:cNvPr id="2" name="Espace réservé de l'image des diapositives 1"/>
+          <p:cNvSpPr>
+            <a:spLocks noGrp="1" noRot="1" noChangeAspect="1"/>
+          </p:cNvSpPr>
+          <p:nvPr>
+            <p:ph type="sldImg"/>
+          </p:nvPr>
+        </p:nvSpPr>
+        <p:spPr/>
+      </p:sp>
+      <p:sp>
+        <p:nvSpPr>
+          <p:cNvPr id="3" name="Espace réservé des notes 2"/>
+          <p:cNvSpPr>
+            <a:spLocks noGrp="1"/>
+          </p:cNvSpPr>
+          <p:nvPr>
+            <p:ph type="body" idx="1"/>
+          </p:nvPr>
+        </p:nvSpPr>
+        <p:spPr/>
+        <p:txBody>
+          <a:bodyPr/>
+          <a:lstStyle/>
+          <a:p>
+            <a:r>
+              <a:rPr lang="fr-FR" dirty="0"/>
+              <a:t>Guillaume</a:t>
+            </a:r>
+          </a:p>
+        </p:txBody>
+      </p:sp>
+      <p:sp>
+        <p:nvSpPr>
+          <p:cNvPr id="4" name="Espace réservé du numéro de diapositive 3"/>
+          <p:cNvSpPr>
+            <a:spLocks noGrp="1"/>
+          </p:cNvSpPr>
+          <p:nvPr>
+            <p:ph type="sldNum" sz="quarter" idx="10"/>
+          </p:nvPr>
+        </p:nvSpPr>
+        <p:spPr/>
+        <p:txBody>
+          <a:bodyPr/>
+          <a:lstStyle/>
+          <a:p>
+            <a:fld id="{96A8DA0A-CDAF-4731-95C9-68D0B5CD43CA}" type="slidenum">
+              <a:rPr lang="fr-FR" smtClean="0"/>
+              <a:t>5</a:t>
+            </a:fld>
+            <a:endParaRPr lang="fr-FR"/>
+          </a:p>
+        </p:txBody>
+      </p:sp>
+    </p:spTree>
+    <p:extLst>
+      <p:ext uri="{BB962C8B-B14F-4D97-AF65-F5344CB8AC3E}">
+        <p14:creationId xmlns:p14="http://schemas.microsoft.com/office/powerpoint/2010/main" val="2611773425"/>
+      </p:ext>
+    </p:extLst>
+  </p:cSld>
+  <p:clrMapOvr>
+    <a:masterClrMapping/>
+  </p:clrMapOvr>
+</p:notes>
+</file>
+
+<file path=ppt/notesSlides/notesSlide6.xml><?xml version="1.0" encoding="utf-8"?>
+<p:notes xmlns:a="http://schemas.openxmlformats.org/drawingml/2006/main" xmlns:r="http://schemas.openxmlformats.org/officeDocument/2006/relationships" xmlns:p="http://schemas.openxmlformats.org/presentationml/2006/main">
+  <p:cSld>
+    <p:spTree>
+      <p:nvGrpSpPr>
+        <p:cNvPr id="1" name=""/>
+        <p:cNvGrpSpPr/>
+        <p:nvPr/>
+      </p:nvGrpSpPr>
+      <p:grpSpPr>
+        <a:xfrm>
+          <a:off x="0" y="0"/>
+          <a:ext cx="0" cy="0"/>
+          <a:chOff x="0" y="0"/>
+          <a:chExt cx="0" cy="0"/>
+        </a:xfrm>
+      </p:grpSpPr>
+      <p:sp>
+        <p:nvSpPr>
+          <p:cNvPr id="2" name="Espace réservé de l'image des diapositives 1"/>
+          <p:cNvSpPr>
+            <a:spLocks noGrp="1" noRot="1" noChangeAspect="1"/>
+          </p:cNvSpPr>
+          <p:nvPr>
+            <p:ph type="sldImg"/>
+          </p:nvPr>
+        </p:nvSpPr>
+        <p:spPr/>
+      </p:sp>
+      <p:sp>
+        <p:nvSpPr>
+          <p:cNvPr id="3" name="Espace réservé des notes 2"/>
+          <p:cNvSpPr>
+            <a:spLocks noGrp="1"/>
+          </p:cNvSpPr>
+          <p:nvPr>
+            <p:ph type="body" idx="1"/>
+          </p:nvPr>
+        </p:nvSpPr>
+        <p:spPr/>
+        <p:txBody>
+          <a:bodyPr/>
+          <a:lstStyle/>
+          <a:p>
+            <a:r>
+              <a:rPr lang="fr-FR" dirty="0"/>
+              <a:t>Léo</a:t>
+            </a:r>
+          </a:p>
+        </p:txBody>
+      </p:sp>
+      <p:sp>
+        <p:nvSpPr>
+          <p:cNvPr id="4" name="Espace réservé du numéro de diapositive 3"/>
+          <p:cNvSpPr>
+            <a:spLocks noGrp="1"/>
+          </p:cNvSpPr>
+          <p:nvPr>
+            <p:ph type="sldNum" sz="quarter" idx="10"/>
+          </p:nvPr>
+        </p:nvSpPr>
+        <p:spPr/>
+        <p:txBody>
+          <a:bodyPr/>
+          <a:lstStyle/>
+          <a:p>
+            <a:fld id="{96A8DA0A-CDAF-4731-95C9-68D0B5CD43CA}" type="slidenum">
+              <a:rPr lang="fr-FR" smtClean="0"/>
+              <a:t>6</a:t>
+            </a:fld>
+            <a:endParaRPr lang="fr-FR"/>
+          </a:p>
+        </p:txBody>
+      </p:sp>
+    </p:spTree>
+    <p:extLst>
+      <p:ext uri="{BB962C8B-B14F-4D97-AF65-F5344CB8AC3E}">
+        <p14:creationId xmlns:p14="http://schemas.microsoft.com/office/powerpoint/2010/main" val="2625123889"/>
+      </p:ext>
+    </p:extLst>
+  </p:cSld>
+  <p:clrMapOvr>
+    <a:masterClrMapping/>
+  </p:clrMapOvr>
+</p:notes>
+</file>
+
+<file path=ppt/notesSlides/notesSlide7.xml><?xml version="1.0" encoding="utf-8"?>
+<p:notes xmlns:a="http://schemas.openxmlformats.org/drawingml/2006/main" xmlns:r="http://schemas.openxmlformats.org/officeDocument/2006/relationships" xmlns:p="http://schemas.openxmlformats.org/presentationml/2006/main">
+  <p:cSld>
+    <p:spTree>
+      <p:nvGrpSpPr>
+        <p:cNvPr id="1" name=""/>
+        <p:cNvGrpSpPr/>
+        <p:nvPr/>
+      </p:nvGrpSpPr>
+      <p:grpSpPr>
+        <a:xfrm>
+          <a:off x="0" y="0"/>
+          <a:ext cx="0" cy="0"/>
+          <a:chOff x="0" y="0"/>
+          <a:chExt cx="0" cy="0"/>
+        </a:xfrm>
+      </p:grpSpPr>
+      <p:sp>
+        <p:nvSpPr>
+          <p:cNvPr id="2" name="Espace réservé de l'image des diapositives 1"/>
+          <p:cNvSpPr>
+            <a:spLocks noGrp="1" noRot="1" noChangeAspect="1"/>
+          </p:cNvSpPr>
+          <p:nvPr>
+            <p:ph type="sldImg"/>
+          </p:nvPr>
+        </p:nvSpPr>
+        <p:spPr/>
+      </p:sp>
+      <p:sp>
+        <p:nvSpPr>
+          <p:cNvPr id="3" name="Espace réservé des notes 2"/>
+          <p:cNvSpPr>
+            <a:spLocks noGrp="1"/>
+          </p:cNvSpPr>
+          <p:nvPr>
+            <p:ph type="body" idx="1"/>
+          </p:nvPr>
+        </p:nvSpPr>
+        <p:spPr/>
+        <p:txBody>
+          <a:bodyPr/>
+          <a:lstStyle/>
+          <a:p>
+            <a:r>
+              <a:rPr lang="fr-FR"/>
+              <a:t>Antonin</a:t>
+            </a:r>
+            <a:endParaRPr lang="fr-FR"/>
+          </a:p>
+        </p:txBody>
+      </p:sp>
+      <p:sp>
+        <p:nvSpPr>
+          <p:cNvPr id="4" name="Espace réservé du numéro de diapositive 3"/>
+          <p:cNvSpPr>
+            <a:spLocks noGrp="1"/>
+          </p:cNvSpPr>
+          <p:nvPr>
+            <p:ph type="sldNum" sz="quarter" idx="10"/>
+          </p:nvPr>
+        </p:nvSpPr>
+        <p:spPr/>
+        <p:txBody>
+          <a:bodyPr/>
+          <a:lstStyle/>
+          <a:p>
+            <a:fld id="{96A8DA0A-CDAF-4731-95C9-68D0B5CD43CA}" type="slidenum">
+              <a:rPr lang="fr-FR" smtClean="0"/>
+              <a:t>7</a:t>
+            </a:fld>
+            <a:endParaRPr lang="fr-FR"/>
+          </a:p>
+        </p:txBody>
+      </p:sp>
+    </p:spTree>
+    <p:extLst>
+      <p:ext uri="{BB962C8B-B14F-4D97-AF65-F5344CB8AC3E}">
+        <p14:creationId xmlns:p14="http://schemas.microsoft.com/office/powerpoint/2010/main" val="660583630"/>
+      </p:ext>
+    </p:extLst>
+  </p:cSld>
+  <p:clrMapOvr>
+    <a:masterClrMapping/>
+  </p:clrMapOvr>
+</p:notes>
 </file>
 
 <file path=ppt/slideLayouts/slideLayout1.xml><?xml version="1.0" encoding="utf-8"?>
@@ -1324,7 +2291,7 @@
           </a:lstStyle>
           <a:p>
             <a:r>
-              <a:rPr lang="fr-FR" smtClean="0"/>
+              <a:rPr lang="fr-FR"/>
               <a:t>Modifiez le style du titre</a:t>
             </a:r>
             <a:endParaRPr lang="en-US" dirty="0"/>
@@ -1444,7 +2411,7 @@
           </a:lstStyle>
           <a:p>
             <a:r>
-              <a:rPr lang="fr-FR" smtClean="0"/>
+              <a:rPr lang="fr-FR"/>
               <a:t>Modifiez le style des sous-titres du masque</a:t>
             </a:r>
             <a:endParaRPr lang="en-US" dirty="0"/>
@@ -1469,7 +2436,7 @@
             <a:fld id="{B61BEF0D-F0BB-DE4B-95CE-6DB70DBA9567}" type="datetimeFigureOut">
               <a:rPr lang="en-US" smtClean="0"/>
               <a:pPr/>
-              <a:t>10/23/2016</a:t>
+              <a:t>10/24/2016</a:t>
             </a:fld>
             <a:endParaRPr lang="en-US" dirty="0"/>
           </a:p>
@@ -1570,7 +2537,7 @@
           </a:lstStyle>
           <a:p>
             <a:r>
-              <a:rPr lang="fr-FR" smtClean="0"/>
+              <a:rPr lang="fr-FR"/>
               <a:t>Modifiez le style du titre</a:t>
             </a:r>
             <a:endParaRPr lang="en-US" dirty="0"/>
@@ -1594,35 +2561,35 @@
           <a:p>
             <a:pPr lvl="0"/>
             <a:r>
-              <a:rPr lang="fr-FR" smtClean="0"/>
+              <a:rPr lang="fr-FR"/>
               <a:t>Modifiez les styles du texte du masque</a:t>
             </a:r>
           </a:p>
           <a:p>
             <a:pPr lvl="1"/>
             <a:r>
-              <a:rPr lang="fr-FR" smtClean="0"/>
+              <a:rPr lang="fr-FR"/>
               <a:t>Deuxième niveau</a:t>
             </a:r>
           </a:p>
           <a:p>
             <a:pPr lvl="2"/>
             <a:r>
-              <a:rPr lang="fr-FR" smtClean="0"/>
+              <a:rPr lang="fr-FR"/>
               <a:t>Troisième niveau</a:t>
             </a:r>
           </a:p>
           <a:p>
             <a:pPr lvl="3"/>
             <a:r>
-              <a:rPr lang="fr-FR" smtClean="0"/>
+              <a:rPr lang="fr-FR"/>
               <a:t>Quatrième niveau</a:t>
             </a:r>
           </a:p>
           <a:p>
             <a:pPr lvl="4"/>
             <a:r>
-              <a:rPr lang="fr-FR" smtClean="0"/>
+              <a:rPr lang="fr-FR"/>
               <a:t>Cinquième niveau</a:t>
             </a:r>
             <a:endParaRPr lang="en-US" dirty="0"/>
@@ -1646,7 +2613,7 @@
           <a:p>
             <a:fld id="{70DDF080-5E8C-48AD-84E5-6C08B304C14E}" type="datetimeFigureOut">
               <a:rPr lang="en-US" smtClean="0"/>
-              <a:t>10/23/2016</a:t>
+              <a:t>10/24/2016</a:t>
             </a:fld>
             <a:endParaRPr lang="en-US" dirty="0"/>
           </a:p>
@@ -1749,7 +2716,7 @@
           </a:lstStyle>
           <a:p>
             <a:r>
-              <a:rPr lang="fr-FR" smtClean="0"/>
+              <a:rPr lang="fr-FR"/>
               <a:t>Modifiez le style du titre</a:t>
             </a:r>
             <a:endParaRPr lang="en-US" dirty="0"/>
@@ -1870,7 +2837,7 @@
           <a:p>
             <a:pPr lvl="0"/>
             <a:r>
-              <a:rPr lang="fr-FR" smtClean="0"/>
+              <a:rPr lang="fr-FR"/>
               <a:t>Modifiez les styles du texte du masque</a:t>
             </a:r>
           </a:p>
@@ -1894,7 +2861,7 @@
             <a:fld id="{B61BEF0D-F0BB-DE4B-95CE-6DB70DBA9567}" type="datetimeFigureOut">
               <a:rPr lang="en-US" smtClean="0"/>
               <a:pPr/>
-              <a:t>10/23/2016</a:t>
+              <a:t>10/24/2016</a:t>
             </a:fld>
             <a:endParaRPr lang="en-US" dirty="0"/>
           </a:p>
@@ -1994,7 +2961,7 @@
           <a:lstStyle/>
           <a:p>
             <a:r>
-              <a:rPr lang="fr-FR" smtClean="0"/>
+              <a:rPr lang="fr-FR"/>
               <a:t>Modifiez le style du titre</a:t>
             </a:r>
             <a:endParaRPr lang="en-US" dirty="0"/>
@@ -2053,35 +3020,35 @@
           <a:p>
             <a:pPr lvl="0"/>
             <a:r>
-              <a:rPr lang="fr-FR" smtClean="0"/>
+              <a:rPr lang="fr-FR"/>
               <a:t>Modifiez les styles du texte du masque</a:t>
             </a:r>
           </a:p>
           <a:p>
             <a:pPr lvl="1"/>
             <a:r>
-              <a:rPr lang="fr-FR" smtClean="0"/>
+              <a:rPr lang="fr-FR"/>
               <a:t>Deuxième niveau</a:t>
             </a:r>
           </a:p>
           <a:p>
             <a:pPr lvl="2"/>
             <a:r>
-              <a:rPr lang="fr-FR" smtClean="0"/>
+              <a:rPr lang="fr-FR"/>
               <a:t>Troisième niveau</a:t>
             </a:r>
           </a:p>
           <a:p>
             <a:pPr lvl="3"/>
             <a:r>
-              <a:rPr lang="fr-FR" smtClean="0"/>
+              <a:rPr lang="fr-FR"/>
               <a:t>Quatrième niveau</a:t>
             </a:r>
           </a:p>
           <a:p>
             <a:pPr lvl="4"/>
             <a:r>
-              <a:rPr lang="fr-FR" smtClean="0"/>
+              <a:rPr lang="fr-FR"/>
               <a:t>Cinquième niveau</a:t>
             </a:r>
             <a:endParaRPr lang="en-US" dirty="0"/>
@@ -2140,35 +3107,35 @@
           <a:p>
             <a:pPr lvl="0"/>
             <a:r>
-              <a:rPr lang="fr-FR" smtClean="0"/>
+              <a:rPr lang="fr-FR"/>
               <a:t>Modifiez les styles du texte du masque</a:t>
             </a:r>
           </a:p>
           <a:p>
             <a:pPr lvl="1"/>
             <a:r>
-              <a:rPr lang="fr-FR" smtClean="0"/>
+              <a:rPr lang="fr-FR"/>
               <a:t>Deuxième niveau</a:t>
             </a:r>
           </a:p>
           <a:p>
             <a:pPr lvl="2"/>
             <a:r>
-              <a:rPr lang="fr-FR" smtClean="0"/>
+              <a:rPr lang="fr-FR"/>
               <a:t>Troisième niveau</a:t>
             </a:r>
           </a:p>
           <a:p>
             <a:pPr lvl="3"/>
             <a:r>
-              <a:rPr lang="fr-FR" smtClean="0"/>
+              <a:rPr lang="fr-FR"/>
               <a:t>Quatrième niveau</a:t>
             </a:r>
           </a:p>
           <a:p>
             <a:pPr lvl="4"/>
             <a:r>
-              <a:rPr lang="fr-FR" smtClean="0"/>
+              <a:rPr lang="fr-FR"/>
               <a:t>Cinquième niveau</a:t>
             </a:r>
             <a:endParaRPr lang="en-US" dirty="0"/>
@@ -2193,7 +3160,7 @@
             <a:fld id="{B61BEF0D-F0BB-DE4B-95CE-6DB70DBA9567}" type="datetimeFigureOut">
               <a:rPr lang="en-US" smtClean="0"/>
               <a:pPr/>
-              <a:t>10/23/2016</a:t>
+              <a:t>10/24/2016</a:t>
             </a:fld>
             <a:endParaRPr lang="en-US" dirty="0"/>
           </a:p>
@@ -2297,7 +3264,7 @@
           </a:lstStyle>
           <a:p>
             <a:r>
-              <a:rPr lang="fr-FR" smtClean="0"/>
+              <a:rPr lang="fr-FR"/>
               <a:t>Modifiez le style du titre</a:t>
             </a:r>
             <a:endParaRPr lang="en-US" dirty="0"/>
@@ -2365,7 +3332,7 @@
           <a:p>
             <a:pPr lvl="0"/>
             <a:r>
-              <a:rPr lang="fr-FR" smtClean="0"/>
+              <a:rPr lang="fr-FR"/>
               <a:t>Modifiez les styles du texte du masque</a:t>
             </a:r>
           </a:p>
@@ -2395,35 +3362,35 @@
           <a:p>
             <a:pPr lvl="0"/>
             <a:r>
-              <a:rPr lang="fr-FR" smtClean="0"/>
+              <a:rPr lang="fr-FR"/>
               <a:t>Modifiez les styles du texte du masque</a:t>
             </a:r>
           </a:p>
           <a:p>
             <a:pPr lvl="1"/>
             <a:r>
-              <a:rPr lang="fr-FR" smtClean="0"/>
+              <a:rPr lang="fr-FR"/>
               <a:t>Deuxième niveau</a:t>
             </a:r>
           </a:p>
           <a:p>
             <a:pPr lvl="2"/>
             <a:r>
-              <a:rPr lang="fr-FR" smtClean="0"/>
+              <a:rPr lang="fr-FR"/>
               <a:t>Troisième niveau</a:t>
             </a:r>
           </a:p>
           <a:p>
             <a:pPr lvl="3"/>
             <a:r>
-              <a:rPr lang="fr-FR" smtClean="0"/>
+              <a:rPr lang="fr-FR"/>
               <a:t>Quatrième niveau</a:t>
             </a:r>
           </a:p>
           <a:p>
             <a:pPr lvl="4"/>
             <a:r>
-              <a:rPr lang="fr-FR" smtClean="0"/>
+              <a:rPr lang="fr-FR"/>
               <a:t>Cinquième niveau</a:t>
             </a:r>
             <a:endParaRPr lang="en-US" dirty="0"/>
@@ -2491,7 +3458,7 @@
           <a:p>
             <a:pPr lvl="0"/>
             <a:r>
-              <a:rPr lang="fr-FR" smtClean="0"/>
+              <a:rPr lang="fr-FR"/>
               <a:t>Modifiez les styles du texte du masque</a:t>
             </a:r>
           </a:p>
@@ -2521,35 +3488,35 @@
           <a:p>
             <a:pPr lvl="0"/>
             <a:r>
-              <a:rPr lang="fr-FR" smtClean="0"/>
+              <a:rPr lang="fr-FR"/>
               <a:t>Modifiez les styles du texte du masque</a:t>
             </a:r>
           </a:p>
           <a:p>
             <a:pPr lvl="1"/>
             <a:r>
-              <a:rPr lang="fr-FR" smtClean="0"/>
+              <a:rPr lang="fr-FR"/>
               <a:t>Deuxième niveau</a:t>
             </a:r>
           </a:p>
           <a:p>
             <a:pPr lvl="2"/>
             <a:r>
-              <a:rPr lang="fr-FR" smtClean="0"/>
+              <a:rPr lang="fr-FR"/>
               <a:t>Troisième niveau</a:t>
             </a:r>
           </a:p>
           <a:p>
             <a:pPr lvl="3"/>
             <a:r>
-              <a:rPr lang="fr-FR" smtClean="0"/>
+              <a:rPr lang="fr-FR"/>
               <a:t>Quatrième niveau</a:t>
             </a:r>
           </a:p>
           <a:p>
             <a:pPr lvl="4"/>
             <a:r>
-              <a:rPr lang="fr-FR" smtClean="0"/>
+              <a:rPr lang="fr-FR"/>
               <a:t>Cinquième niveau</a:t>
             </a:r>
             <a:endParaRPr lang="en-US" dirty="0"/>
@@ -2574,7 +3541,7 @@
             <a:fld id="{B61BEF0D-F0BB-DE4B-95CE-6DB70DBA9567}" type="datetimeFigureOut">
               <a:rPr lang="en-US" smtClean="0"/>
               <a:pPr/>
-              <a:t>10/23/2016</a:t>
+              <a:t>10/24/2016</a:t>
             </a:fld>
             <a:endParaRPr lang="en-US" dirty="0"/>
           </a:p>
@@ -2674,7 +3641,7 @@
           <a:lstStyle/>
           <a:p>
             <a:r>
-              <a:rPr lang="fr-FR" smtClean="0"/>
+              <a:rPr lang="fr-FR"/>
               <a:t>Modifiez le style du titre</a:t>
             </a:r>
             <a:endParaRPr lang="en-US" dirty="0"/>
@@ -2699,7 +3666,7 @@
             <a:fld id="{B61BEF0D-F0BB-DE4B-95CE-6DB70DBA9567}" type="datetimeFigureOut">
               <a:rPr lang="en-US" smtClean="0"/>
               <a:pPr/>
-              <a:t>10/23/2016</a:t>
+              <a:t>10/24/2016</a:t>
             </a:fld>
             <a:endParaRPr lang="en-US" dirty="0"/>
           </a:p>
@@ -2796,7 +3763,7 @@
             <a:fld id="{B61BEF0D-F0BB-DE4B-95CE-6DB70DBA9567}" type="datetimeFigureOut">
               <a:rPr lang="en-US" smtClean="0"/>
               <a:pPr/>
-              <a:t>10/23/2016</a:t>
+              <a:t>10/24/2016</a:t>
             </a:fld>
             <a:endParaRPr lang="en-US" dirty="0"/>
           </a:p>
@@ -3001,7 +3968,7 @@
           </a:lstStyle>
           <a:p>
             <a:r>
-              <a:rPr lang="fr-FR" smtClean="0"/>
+              <a:rPr lang="fr-FR"/>
               <a:t>Modifiez le style du titre</a:t>
             </a:r>
             <a:endParaRPr lang="en-US" dirty="0"/>
@@ -3032,35 +3999,35 @@
           <a:p>
             <a:pPr lvl="0"/>
             <a:r>
-              <a:rPr lang="fr-FR" smtClean="0"/>
+              <a:rPr lang="fr-FR"/>
               <a:t>Modifiez les styles du texte du masque</a:t>
             </a:r>
           </a:p>
           <a:p>
             <a:pPr lvl="1"/>
             <a:r>
-              <a:rPr lang="fr-FR" smtClean="0"/>
+              <a:rPr lang="fr-FR"/>
               <a:t>Deuxième niveau</a:t>
             </a:r>
           </a:p>
           <a:p>
             <a:pPr lvl="2"/>
             <a:r>
-              <a:rPr lang="fr-FR" smtClean="0"/>
+              <a:rPr lang="fr-FR"/>
               <a:t>Troisième niveau</a:t>
             </a:r>
           </a:p>
           <a:p>
             <a:pPr lvl="3"/>
             <a:r>
-              <a:rPr lang="fr-FR" smtClean="0"/>
+              <a:rPr lang="fr-FR"/>
               <a:t>Quatrième niveau</a:t>
             </a:r>
           </a:p>
           <a:p>
             <a:pPr lvl="4"/>
             <a:r>
-              <a:rPr lang="fr-FR" smtClean="0"/>
+              <a:rPr lang="fr-FR"/>
               <a:t>Cinquième niveau</a:t>
             </a:r>
             <a:endParaRPr lang="en-US" dirty="0"/>
@@ -3128,7 +4095,7 @@
           <a:p>
             <a:pPr lvl="0"/>
             <a:r>
-              <a:rPr lang="fr-FR" smtClean="0"/>
+              <a:rPr lang="fr-FR"/>
               <a:t>Modifiez les styles du texte du masque</a:t>
             </a:r>
           </a:p>
@@ -3151,7 +4118,7 @@
           <a:p>
             <a:fld id="{70DDF080-5E8C-48AD-84E5-6C08B304C14E}" type="datetimeFigureOut">
               <a:rPr lang="en-US" smtClean="0"/>
-              <a:t>10/23/2016</a:t>
+              <a:t>10/24/2016</a:t>
             </a:fld>
             <a:endParaRPr lang="en-US" dirty="0"/>
           </a:p>
@@ -3256,7 +4223,7 @@
           </a:lstStyle>
           <a:p>
             <a:r>
-              <a:rPr lang="fr-FR" smtClean="0"/>
+              <a:rPr lang="fr-FR"/>
               <a:t>Modifiez le style du titre</a:t>
             </a:r>
             <a:endParaRPr lang="en-US" dirty="0"/>
@@ -3323,7 +4290,7 @@
           </a:lstStyle>
           <a:p>
             <a:r>
-              <a:rPr lang="fr-FR" smtClean="0"/>
+              <a:rPr lang="fr-FR"/>
               <a:t>Cliquez sur l'icône pour ajouter une image</a:t>
             </a:r>
             <a:endParaRPr lang="en-US" dirty="0"/>
@@ -3391,7 +4358,7 @@
           <a:p>
             <a:pPr lvl="0"/>
             <a:r>
-              <a:rPr lang="fr-FR" smtClean="0"/>
+              <a:rPr lang="fr-FR"/>
               <a:t>Modifiez les styles du texte du masque</a:t>
             </a:r>
           </a:p>
@@ -3415,7 +4382,7 @@
             <a:fld id="{B61BEF0D-F0BB-DE4B-95CE-6DB70DBA9567}" type="datetimeFigureOut">
               <a:rPr lang="en-US" smtClean="0"/>
               <a:pPr/>
-              <a:t>10/23/2016</a:t>
+              <a:t>10/24/2016</a:t>
             </a:fld>
             <a:endParaRPr lang="en-US" dirty="0"/>
           </a:p>
@@ -3521,7 +4488,7 @@
           </a:lstStyle>
           <a:p>
             <a:r>
-              <a:rPr lang="fr-FR" smtClean="0"/>
+              <a:rPr lang="fr-FR"/>
               <a:t>Modifiez le style du titre</a:t>
             </a:r>
             <a:endParaRPr lang="en-US" dirty="0"/>
@@ -3644,7 +4611,7 @@
           <a:p>
             <a:pPr lvl="0"/>
             <a:r>
-              <a:rPr lang="fr-FR" smtClean="0"/>
+              <a:rPr lang="fr-FR"/>
               <a:t>Modifiez les styles du texte du masque</a:t>
             </a:r>
           </a:p>
@@ -3668,7 +4635,7 @@
             <a:fld id="{B61BEF0D-F0BB-DE4B-95CE-6DB70DBA9567}" type="datetimeFigureOut">
               <a:rPr lang="en-US" smtClean="0"/>
               <a:pPr/>
-              <a:t>10/23/2016</a:t>
+              <a:t>10/24/2016</a:t>
             </a:fld>
             <a:endParaRPr lang="en-US" dirty="0"/>
           </a:p>
@@ -3774,7 +4741,7 @@
           </a:lstStyle>
           <a:p>
             <a:r>
-              <a:rPr lang="fr-FR" smtClean="0"/>
+              <a:rPr lang="fr-FR"/>
               <a:t>Modifiez le style du titre</a:t>
             </a:r>
             <a:endParaRPr lang="en-US" dirty="0"/>
@@ -3838,7 +4805,7 @@
           <a:p>
             <a:pPr lvl="0"/>
             <a:r>
-              <a:rPr lang="fr-FR" smtClean="0"/>
+              <a:rPr lang="fr-FR"/>
               <a:t>Modifiez les styles du texte du masque</a:t>
             </a:r>
           </a:p>
@@ -3960,7 +4927,7 @@
           <a:p>
             <a:pPr lvl="0"/>
             <a:r>
-              <a:rPr lang="fr-FR" smtClean="0"/>
+              <a:rPr lang="fr-FR"/>
               <a:t>Modifiez les styles du texte du masque</a:t>
             </a:r>
           </a:p>
@@ -3984,7 +4951,7 @@
             <a:fld id="{B61BEF0D-F0BB-DE4B-95CE-6DB70DBA9567}" type="datetimeFigureOut">
               <a:rPr lang="en-US" smtClean="0"/>
               <a:pPr/>
-              <a:t>10/23/2016</a:t>
+              <a:t>10/24/2016</a:t>
             </a:fld>
             <a:endParaRPr lang="en-US" dirty="0"/>
           </a:p>
@@ -4172,7 +5139,7 @@
           </a:lstStyle>
           <a:p>
             <a:r>
-              <a:rPr lang="fr-FR" smtClean="0"/>
+              <a:rPr lang="fr-FR"/>
               <a:t>Modifiez le style du titre</a:t>
             </a:r>
             <a:endParaRPr lang="en-US" dirty="0"/>
@@ -4295,7 +5262,7 @@
           <a:p>
             <a:pPr lvl="0"/>
             <a:r>
-              <a:rPr lang="fr-FR" smtClean="0"/>
+              <a:rPr lang="fr-FR"/>
               <a:t>Modifiez les styles du texte du masque</a:t>
             </a:r>
           </a:p>
@@ -4319,7 +5286,7 @@
             <a:fld id="{B61BEF0D-F0BB-DE4B-95CE-6DB70DBA9567}" type="datetimeFigureOut">
               <a:rPr lang="en-US" smtClean="0"/>
               <a:pPr/>
-              <a:t>10/23/2016</a:t>
+              <a:t>10/24/2016</a:t>
             </a:fld>
             <a:endParaRPr lang="en-US" dirty="0"/>
           </a:p>
@@ -4425,7 +5392,7 @@
           </a:lstStyle>
           <a:p>
             <a:r>
-              <a:rPr lang="fr-FR" smtClean="0"/>
+              <a:rPr lang="fr-FR"/>
               <a:t>Modifiez le style du titre</a:t>
             </a:r>
             <a:endParaRPr lang="en-US" dirty="0"/>
@@ -4489,7 +5456,7 @@
           <a:p>
             <a:pPr lvl="0"/>
             <a:r>
-              <a:rPr lang="fr-FR" smtClean="0"/>
+              <a:rPr lang="fr-FR"/>
               <a:t>Modifiez les styles du texte du masque</a:t>
             </a:r>
           </a:p>
@@ -4611,7 +5578,7 @@
           <a:p>
             <a:pPr lvl="0"/>
             <a:r>
-              <a:rPr lang="fr-FR" smtClean="0"/>
+              <a:rPr lang="fr-FR"/>
               <a:t>Modifiez les styles du texte du masque</a:t>
             </a:r>
           </a:p>
@@ -4635,7 +5602,7 @@
             <a:fld id="{B61BEF0D-F0BB-DE4B-95CE-6DB70DBA9567}" type="datetimeFigureOut">
               <a:rPr lang="en-US" smtClean="0"/>
               <a:pPr/>
-              <a:t>10/23/2016</a:t>
+              <a:t>10/24/2016</a:t>
             </a:fld>
             <a:endParaRPr lang="en-US" dirty="0"/>
           </a:p>
@@ -4823,7 +5790,7 @@
           </a:lstStyle>
           <a:p>
             <a:r>
-              <a:rPr lang="fr-FR" smtClean="0"/>
+              <a:rPr lang="fr-FR"/>
               <a:t>Modifiez le style du titre</a:t>
             </a:r>
             <a:endParaRPr lang="en-US" dirty="0"/>
@@ -4884,7 +5851,7 @@
           <a:p>
             <a:pPr lvl="0"/>
             <a:r>
-              <a:rPr lang="fr-FR" smtClean="0"/>
+              <a:rPr lang="fr-FR"/>
               <a:t>Modifiez les styles du texte du masque</a:t>
             </a:r>
           </a:p>
@@ -5006,7 +5973,7 @@
           <a:p>
             <a:pPr lvl="0"/>
             <a:r>
-              <a:rPr lang="fr-FR" smtClean="0"/>
+              <a:rPr lang="fr-FR"/>
               <a:t>Modifiez les styles du texte du masque</a:t>
             </a:r>
           </a:p>
@@ -5030,7 +5997,7 @@
             <a:fld id="{B61BEF0D-F0BB-DE4B-95CE-6DB70DBA9567}" type="datetimeFigureOut">
               <a:rPr lang="en-US" smtClean="0"/>
               <a:pPr/>
-              <a:t>10/23/2016</a:t>
+              <a:t>10/24/2016</a:t>
             </a:fld>
             <a:endParaRPr lang="en-US" dirty="0"/>
           </a:p>
@@ -5125,7 +6092,7 @@
           <a:lstStyle/>
           <a:p>
             <a:r>
-              <a:rPr lang="fr-FR" smtClean="0"/>
+              <a:rPr lang="fr-FR"/>
               <a:t>Modifiez le style du titre</a:t>
             </a:r>
             <a:endParaRPr lang="en-US" dirty="0"/>
@@ -5149,35 +6116,35 @@
           <a:p>
             <a:pPr lvl="0"/>
             <a:r>
-              <a:rPr lang="fr-FR" smtClean="0"/>
+              <a:rPr lang="fr-FR"/>
               <a:t>Modifiez les styles du texte du masque</a:t>
             </a:r>
           </a:p>
           <a:p>
             <a:pPr lvl="1"/>
             <a:r>
-              <a:rPr lang="fr-FR" smtClean="0"/>
+              <a:rPr lang="fr-FR"/>
               <a:t>Deuxième niveau</a:t>
             </a:r>
           </a:p>
           <a:p>
             <a:pPr lvl="2"/>
             <a:r>
-              <a:rPr lang="fr-FR" smtClean="0"/>
+              <a:rPr lang="fr-FR"/>
               <a:t>Troisième niveau</a:t>
             </a:r>
           </a:p>
           <a:p>
             <a:pPr lvl="3"/>
             <a:r>
-              <a:rPr lang="fr-FR" smtClean="0"/>
+              <a:rPr lang="fr-FR"/>
               <a:t>Quatrième niveau</a:t>
             </a:r>
           </a:p>
           <a:p>
             <a:pPr lvl="4"/>
             <a:r>
-              <a:rPr lang="fr-FR" smtClean="0"/>
+              <a:rPr lang="fr-FR"/>
               <a:t>Cinquième niveau</a:t>
             </a:r>
             <a:endParaRPr lang="en-US" dirty="0"/>
@@ -5201,7 +6168,7 @@
           <a:p>
             <a:fld id="{70DDF080-5E8C-48AD-84E5-6C08B304C14E}" type="datetimeFigureOut">
               <a:rPr lang="en-US" smtClean="0"/>
-              <a:t>10/23/2016</a:t>
+              <a:t>10/24/2016</a:t>
             </a:fld>
             <a:endParaRPr lang="en-US" dirty="0"/>
           </a:p>
@@ -5300,7 +6267,7 @@
           <a:lstStyle/>
           <a:p>
             <a:r>
-              <a:rPr lang="fr-FR" smtClean="0"/>
+              <a:rPr lang="fr-FR"/>
               <a:t>Modifiez le style du titre</a:t>
             </a:r>
             <a:endParaRPr lang="en-US" dirty="0"/>
@@ -5329,35 +6296,35 @@
           <a:p>
             <a:pPr lvl="0"/>
             <a:r>
-              <a:rPr lang="fr-FR" smtClean="0"/>
+              <a:rPr lang="fr-FR"/>
               <a:t>Modifiez les styles du texte du masque</a:t>
             </a:r>
           </a:p>
           <a:p>
             <a:pPr lvl="1"/>
             <a:r>
-              <a:rPr lang="fr-FR" smtClean="0"/>
+              <a:rPr lang="fr-FR"/>
               <a:t>Deuxième niveau</a:t>
             </a:r>
           </a:p>
           <a:p>
             <a:pPr lvl="2"/>
             <a:r>
-              <a:rPr lang="fr-FR" smtClean="0"/>
+              <a:rPr lang="fr-FR"/>
               <a:t>Troisième niveau</a:t>
             </a:r>
           </a:p>
           <a:p>
             <a:pPr lvl="3"/>
             <a:r>
-              <a:rPr lang="fr-FR" smtClean="0"/>
+              <a:rPr lang="fr-FR"/>
               <a:t>Quatrième niveau</a:t>
             </a:r>
           </a:p>
           <a:p>
             <a:pPr lvl="4"/>
             <a:r>
-              <a:rPr lang="fr-FR" smtClean="0"/>
+              <a:rPr lang="fr-FR"/>
               <a:t>Cinquième niveau</a:t>
             </a:r>
             <a:endParaRPr lang="en-US" dirty="0"/>
@@ -5382,7 +6349,7 @@
             <a:fld id="{B61BEF0D-F0BB-DE4B-95CE-6DB70DBA9567}" type="datetimeFigureOut">
               <a:rPr lang="en-US" smtClean="0"/>
               <a:pPr/>
-              <a:t>10/23/2016</a:t>
+              <a:t>10/24/2016</a:t>
             </a:fld>
             <a:endParaRPr lang="en-US" dirty="0"/>
           </a:p>
@@ -7547,7 +8514,7 @@
           <a:lstStyle/>
           <a:p>
             <a:r>
-              <a:rPr lang="fr-FR" smtClean="0"/>
+              <a:rPr lang="fr-FR"/>
               <a:t>Modifiez le style du titre</a:t>
             </a:r>
             <a:endParaRPr lang="en-US" dirty="0"/>
@@ -7581,35 +8548,35 @@
           <a:p>
             <a:pPr lvl="0"/>
             <a:r>
-              <a:rPr lang="fr-FR" smtClean="0"/>
+              <a:rPr lang="fr-FR"/>
               <a:t>Modifiez les styles du texte du masque</a:t>
             </a:r>
           </a:p>
           <a:p>
             <a:pPr lvl="1"/>
             <a:r>
-              <a:rPr lang="fr-FR" smtClean="0"/>
+              <a:rPr lang="fr-FR"/>
               <a:t>Deuxième niveau</a:t>
             </a:r>
           </a:p>
           <a:p>
             <a:pPr lvl="2"/>
             <a:r>
-              <a:rPr lang="fr-FR" smtClean="0"/>
+              <a:rPr lang="fr-FR"/>
               <a:t>Troisième niveau</a:t>
             </a:r>
           </a:p>
           <a:p>
             <a:pPr lvl="3"/>
             <a:r>
-              <a:rPr lang="fr-FR" smtClean="0"/>
+              <a:rPr lang="fr-FR"/>
               <a:t>Quatrième niveau</a:t>
             </a:r>
           </a:p>
           <a:p>
             <a:pPr lvl="4"/>
             <a:r>
-              <a:rPr lang="fr-FR" smtClean="0"/>
+              <a:rPr lang="fr-FR"/>
               <a:t>Cinquième niveau</a:t>
             </a:r>
             <a:endParaRPr lang="en-US" dirty="0"/>
@@ -7652,7 +8619,7 @@
             <a:fld id="{B61BEF0D-F0BB-DE4B-95CE-6DB70DBA9567}" type="datetimeFigureOut">
               <a:rPr lang="en-US" dirty="0"/>
               <a:pPr/>
-              <a:t>10/23/2016</a:t>
+              <a:t>10/24/2016</a:t>
             </a:fld>
             <a:endParaRPr lang="en-US" dirty="0"/>
           </a:p>
@@ -8243,21 +9210,7 @@
                 </a:uFill>
                 <a:latin typeface="Arial"/>
               </a:rPr>
-              <a:t> </a:t>
-            </a:r>
-            <a:r>
-              <a:rPr lang="en-US" sz="4479" b="0" strike="noStrike" spc="-1" dirty="0" smtClean="0">
-                <a:solidFill>
-                  <a:srgbClr val="000000"/>
-                </a:solidFill>
-                <a:uFill>
-                  <a:solidFill>
-                    <a:srgbClr val="FFFFFF"/>
-                  </a:solidFill>
-                </a:uFill>
-                <a:latin typeface="Arial"/>
-              </a:rPr>
-              <a:t>Galt</a:t>
+              <a:t> Galt</a:t>
             </a:r>
             <a:endParaRPr lang="en-US" sz="1800" b="0" strike="noStrike" spc="-1" dirty="0">
               <a:solidFill>
@@ -8313,7 +9266,7 @@
                 <a:spcPct val="100000"/>
               </a:lnSpc>
             </a:pPr>
-            <a:endParaRPr lang="en-US" sz="1800" b="0" strike="noStrike" spc="-1" dirty="0" smtClean="0">
+            <a:endParaRPr lang="en-US" sz="1800" b="0" strike="noStrike" spc="-1" dirty="0">
               <a:solidFill>
                 <a:srgbClr val="000000"/>
               </a:solidFill>
@@ -8349,7 +9302,7 @@
                 <a:spcPct val="100000"/>
               </a:lnSpc>
             </a:pPr>
-            <a:endParaRPr lang="en-US" sz="1800" b="0" strike="noStrike" spc="-1" dirty="0" smtClean="0">
+            <a:endParaRPr lang="en-US" sz="1800" b="0" strike="noStrike" spc="-1" dirty="0">
               <a:solidFill>
                 <a:srgbClr val="000000"/>
               </a:solidFill>
@@ -8385,7 +9338,7 @@
                 <a:spcPct val="100000"/>
               </a:lnSpc>
             </a:pPr>
-            <a:endParaRPr lang="en-US" sz="1800" b="0" strike="noStrike" spc="-1" dirty="0" smtClean="0">
+            <a:endParaRPr lang="en-US" sz="1800" b="0" strike="noStrike" spc="-1" dirty="0">
               <a:solidFill>
                 <a:srgbClr val="000000"/>
               </a:solidFill>
@@ -8421,7 +9374,7 @@
                 <a:spcPct val="100000"/>
               </a:lnSpc>
             </a:pPr>
-            <a:endParaRPr lang="en-US" sz="1800" b="0" strike="noStrike" spc="-1" dirty="0" smtClean="0">
+            <a:endParaRPr lang="en-US" sz="1800" b="0" strike="noStrike" spc="-1" dirty="0">
               <a:solidFill>
                 <a:srgbClr val="000000"/>
               </a:solidFill>
@@ -8457,7 +9410,7 @@
                 <a:spcPct val="100000"/>
               </a:lnSpc>
             </a:pPr>
-            <a:endParaRPr lang="en-US" sz="1800" b="0" strike="noStrike" spc="-1" dirty="0" smtClean="0">
+            <a:endParaRPr lang="en-US" sz="1800" b="0" strike="noStrike" spc="-1" dirty="0">
               <a:solidFill>
                 <a:srgbClr val="000000"/>
               </a:solidFill>
@@ -8526,7 +9479,7 @@
               <a:t>I</a:t>
             </a:r>
             <a:r>
-              <a:rPr lang="en-US" sz="3200" b="0" strike="noStrike" spc="-1" dirty="0" err="1" smtClean="0">
+              <a:rPr lang="en-US" sz="3200" b="0" strike="noStrike" spc="-1" dirty="0" err="1">
                 <a:solidFill>
                   <a:srgbClr val="000000"/>
                 </a:solidFill>
@@ -8540,7 +9493,7 @@
               <a:t>tération</a:t>
             </a:r>
             <a:r>
-              <a:rPr lang="en-US" sz="3200" b="0" strike="noStrike" spc="-1" dirty="0" smtClean="0">
+              <a:rPr lang="en-US" sz="3200" b="0" strike="noStrike" spc="-1" dirty="0">
                 <a:solidFill>
                   <a:srgbClr val="000000"/>
                 </a:solidFill>
@@ -8551,21 +9504,7 @@
                 </a:uFill>
                 <a:latin typeface="Arial"/>
               </a:rPr>
-              <a:t> </a:t>
-            </a:r>
-            <a:r>
-              <a:rPr lang="en-US" sz="3200" b="0" strike="noStrike" spc="-1" dirty="0">
-                <a:solidFill>
-                  <a:srgbClr val="000000"/>
-                </a:solidFill>
-                <a:uFill>
-                  <a:solidFill>
-                    <a:srgbClr val="FFFFFF"/>
-                  </a:solidFill>
-                </a:uFill>
-                <a:latin typeface="Arial"/>
-              </a:rPr>
-              <a:t>0</a:t>
+              <a:t> 0</a:t>
             </a:r>
             <a:endParaRPr lang="en-US" sz="1800" b="0" strike="noStrike" spc="-1" dirty="0">
               <a:solidFill>
@@ -8588,7 +9527,7 @@
           <p:nvPr/>
         </p:nvPicPr>
         <p:blipFill>
-          <a:blip r:embed="rId2"/>
+          <a:blip r:embed="rId3"/>
           <a:stretch/>
         </p:blipFill>
         <p:spPr>
@@ -8872,7 +9811,7 @@
               <a:t>GALT </a:t>
             </a:r>
             <a:r>
-              <a:rPr lang="fr-FR" sz="2600" spc="-1" dirty="0" smtClean="0">
+              <a:rPr lang="fr-FR" sz="2600" spc="-1" dirty="0">
                 <a:solidFill>
                   <a:srgbClr val="1C1C1C"/>
                 </a:solidFill>
@@ -8886,20 +9825,6 @@
               <a:t>sera </a:t>
             </a:r>
             <a:r>
-              <a:rPr lang="fr-FR" sz="2600" strike="noStrike" spc="-1" dirty="0" smtClean="0">
-                <a:solidFill>
-                  <a:srgbClr val="1C1C1C"/>
-                </a:solidFill>
-                <a:uFill>
-                  <a:solidFill>
-                    <a:srgbClr val="FFFFFF"/>
-                  </a:solidFill>
-                </a:uFill>
-                <a:latin typeface="Source Sans Pro Semibold"/>
-              </a:rPr>
-              <a:t>une </a:t>
-            </a:r>
-            <a:r>
               <a:rPr lang="fr-FR" sz="2600" strike="noStrike" spc="-1" dirty="0">
                 <a:solidFill>
                   <a:srgbClr val="1C1C1C"/>
@@ -8911,7 +9836,7 @@
                 </a:uFill>
                 <a:latin typeface="Source Sans Pro Semibold"/>
               </a:rPr>
-              <a:t>application web qui permettra de visualiser le graphe de dépendances d’un package </a:t>
+              <a:t>une application web qui permettra de visualiser le graphe de dépendances d’un package </a:t>
             </a:r>
             <a:r>
               <a:rPr lang="fr-FR" sz="2600" strike="noStrike" spc="-1" dirty="0" err="1">
@@ -8928,7 +9853,7 @@
               <a:t>NuGet</a:t>
             </a:r>
             <a:r>
-              <a:rPr lang="fr-FR" sz="2600" strike="noStrike" spc="-1" dirty="0" smtClean="0">
+              <a:rPr lang="fr-FR" sz="2600" strike="noStrike" spc="-1" dirty="0">
                 <a:solidFill>
                   <a:srgbClr val="1C1C1C"/>
                 </a:solidFill>
@@ -9200,7 +10125,323 @@
           <a:bodyPr lIns="0" tIns="0" rIns="0" bIns="0"/>
           <a:lstStyle/>
           <a:p>
-            <a:endParaRPr lang="en-US" sz="2600" b="1" strike="noStrike" spc="-1">
+            <a:pPr marL="285750" indent="-285750">
+              <a:buFont typeface="Arial" panose="020B0604020202020204" pitchFamily="34" charset="0"/>
+              <a:buChar char="•"/>
+            </a:pPr>
+            <a:r>
+              <a:rPr lang="fr-FR" dirty="0"/>
+              <a:t>Une analyse de la concurrence a été effectuée. Il en résulte que des outils similaires existent mais uniquement pour des projets Java ou sont des outils à installer et peu ergonomiques.</a:t>
+            </a:r>
+          </a:p>
+          <a:p>
+            <a:pPr marL="285750" indent="-285750">
+              <a:buFont typeface="Arial" panose="020B0604020202020204" pitchFamily="34" charset="0"/>
+              <a:buChar char="•"/>
+            </a:pPr>
+            <a:endParaRPr lang="fr-FR" dirty="0"/>
+          </a:p>
+          <a:p>
+            <a:pPr marL="285750" indent="-285750">
+              <a:buFont typeface="Arial" panose="020B0604020202020204" pitchFamily="34" charset="0"/>
+              <a:buChar char="•"/>
+            </a:pPr>
+            <a:r>
+              <a:rPr lang="en-US" strike="noStrike" spc="-1" dirty="0">
+                <a:solidFill>
+                  <a:srgbClr val="1C1C1C"/>
+                </a:solidFill>
+                <a:uFill>
+                  <a:solidFill>
+                    <a:srgbClr val="FFFFFF"/>
+                  </a:solidFill>
+                </a:uFill>
+                <a:latin typeface="Source Sans Pro Semibold"/>
+              </a:rPr>
+              <a:t>Notre </a:t>
+            </a:r>
+            <a:r>
+              <a:rPr lang="en-US" strike="noStrike" spc="-1" dirty="0" err="1">
+                <a:solidFill>
+                  <a:srgbClr val="1C1C1C"/>
+                </a:solidFill>
+                <a:uFill>
+                  <a:solidFill>
+                    <a:srgbClr val="FFFFFF"/>
+                  </a:solidFill>
+                </a:uFill>
+                <a:latin typeface="Source Sans Pro Semibold"/>
+              </a:rPr>
+              <a:t>projet</a:t>
+            </a:r>
+            <a:r>
+              <a:rPr lang="en-US" strike="noStrike" spc="-1" dirty="0">
+                <a:solidFill>
+                  <a:srgbClr val="1C1C1C"/>
+                </a:solidFill>
+                <a:uFill>
+                  <a:solidFill>
+                    <a:srgbClr val="FFFFFF"/>
+                  </a:solidFill>
+                </a:uFill>
+                <a:latin typeface="Source Sans Pro Semibold"/>
+              </a:rPr>
+              <a:t> a un reel </a:t>
+            </a:r>
+            <a:r>
+              <a:rPr lang="en-US" strike="noStrike" spc="-1" dirty="0" err="1">
+                <a:solidFill>
+                  <a:srgbClr val="1C1C1C"/>
+                </a:solidFill>
+                <a:uFill>
+                  <a:solidFill>
+                    <a:srgbClr val="FFFFFF"/>
+                  </a:solidFill>
+                </a:uFill>
+                <a:latin typeface="Source Sans Pro Semibold"/>
+              </a:rPr>
+              <a:t>intérêt</a:t>
+            </a:r>
+            <a:r>
+              <a:rPr lang="en-US" strike="noStrike" spc="-1" dirty="0">
+                <a:solidFill>
+                  <a:srgbClr val="1C1C1C"/>
+                </a:solidFill>
+                <a:uFill>
+                  <a:solidFill>
+                    <a:srgbClr val="FFFFFF"/>
+                  </a:solidFill>
+                </a:uFill>
+                <a:latin typeface="Source Sans Pro Semibold"/>
+              </a:rPr>
+              <a:t> pour la </a:t>
+            </a:r>
+            <a:r>
+              <a:rPr lang="en-US" strike="noStrike" spc="-1" dirty="0" err="1">
+                <a:solidFill>
+                  <a:srgbClr val="1C1C1C"/>
+                </a:solidFill>
+                <a:uFill>
+                  <a:solidFill>
+                    <a:srgbClr val="FFFFFF"/>
+                  </a:solidFill>
+                </a:uFill>
+                <a:latin typeface="Source Sans Pro Semibold"/>
+              </a:rPr>
+              <a:t>communauté</a:t>
+            </a:r>
+            <a:r>
+              <a:rPr lang="en-US" strike="noStrike" spc="-1" dirty="0">
+                <a:solidFill>
+                  <a:srgbClr val="1C1C1C"/>
+                </a:solidFill>
+                <a:uFill>
+                  <a:solidFill>
+                    <a:srgbClr val="FFFFFF"/>
+                  </a:solidFill>
+                </a:uFill>
+                <a:latin typeface="Source Sans Pro Semibold"/>
+              </a:rPr>
+              <a:t> </a:t>
+            </a:r>
+            <a:r>
+              <a:rPr lang="en-US" strike="noStrike" spc="-1" dirty="0" err="1">
+                <a:solidFill>
+                  <a:srgbClr val="1C1C1C"/>
+                </a:solidFill>
+                <a:uFill>
+                  <a:solidFill>
+                    <a:srgbClr val="FFFFFF"/>
+                  </a:solidFill>
+                </a:uFill>
+                <a:latin typeface="Source Sans Pro Semibold"/>
+              </a:rPr>
+              <a:t>développeur</a:t>
+            </a:r>
+            <a:endParaRPr lang="en-US" strike="noStrike" spc="-1" dirty="0">
+              <a:solidFill>
+                <a:srgbClr val="1C1C1C"/>
+              </a:solidFill>
+              <a:uFill>
+                <a:solidFill>
+                  <a:srgbClr val="FFFFFF"/>
+                </a:solidFill>
+              </a:uFill>
+              <a:latin typeface="Source Sans Pro Semibold"/>
+            </a:endParaRPr>
+          </a:p>
+          <a:p>
+            <a:pPr marL="285750" indent="-285750">
+              <a:buFont typeface="Arial" panose="020B0604020202020204" pitchFamily="34" charset="0"/>
+              <a:buChar char="•"/>
+            </a:pPr>
+            <a:endParaRPr lang="en-US" spc="-1" dirty="0">
+              <a:solidFill>
+                <a:srgbClr val="1C1C1C"/>
+              </a:solidFill>
+              <a:uFill>
+                <a:solidFill>
+                  <a:srgbClr val="FFFFFF"/>
+                </a:solidFill>
+              </a:uFill>
+              <a:latin typeface="Source Sans Pro Semibold"/>
+            </a:endParaRPr>
+          </a:p>
+          <a:p>
+            <a:pPr marL="285750" indent="-285750">
+              <a:buFont typeface="Arial" panose="020B0604020202020204" pitchFamily="34" charset="0"/>
+              <a:buChar char="•"/>
+            </a:pPr>
+            <a:r>
+              <a:rPr lang="en-US" strike="noStrike" spc="-1" dirty="0">
+                <a:solidFill>
+                  <a:srgbClr val="1C1C1C"/>
+                </a:solidFill>
+                <a:uFill>
+                  <a:solidFill>
+                    <a:srgbClr val="FFFFFF"/>
+                  </a:solidFill>
+                </a:uFill>
+                <a:latin typeface="Source Sans Pro Semibold"/>
+              </a:rPr>
+              <a:t>Site web accessible </a:t>
+            </a:r>
+            <a:r>
+              <a:rPr lang="en-US" strike="noStrike" spc="-1" dirty="0" err="1">
+                <a:solidFill>
+                  <a:srgbClr val="1C1C1C"/>
+                </a:solidFill>
+                <a:uFill>
+                  <a:solidFill>
+                    <a:srgbClr val="FFFFFF"/>
+                  </a:solidFill>
+                </a:uFill>
+                <a:latin typeface="Source Sans Pro Semibold"/>
+              </a:rPr>
+              <a:t>facilement</a:t>
+            </a:r>
+            <a:endParaRPr lang="en-US" strike="noStrike" spc="-1" dirty="0">
+              <a:solidFill>
+                <a:srgbClr val="1C1C1C"/>
+              </a:solidFill>
+              <a:uFill>
+                <a:solidFill>
+                  <a:srgbClr val="FFFFFF"/>
+                </a:solidFill>
+              </a:uFill>
+              <a:latin typeface="Source Sans Pro Semibold"/>
+            </a:endParaRPr>
+          </a:p>
+          <a:p>
+            <a:pPr marL="285750" indent="-285750">
+              <a:buFont typeface="Arial" panose="020B0604020202020204" pitchFamily="34" charset="0"/>
+              <a:buChar char="•"/>
+            </a:pPr>
+            <a:endParaRPr lang="en-US" spc="-1" dirty="0">
+              <a:solidFill>
+                <a:srgbClr val="1C1C1C"/>
+              </a:solidFill>
+              <a:uFill>
+                <a:solidFill>
+                  <a:srgbClr val="FFFFFF"/>
+                </a:solidFill>
+              </a:uFill>
+              <a:latin typeface="Source Sans Pro Semibold"/>
+            </a:endParaRPr>
+          </a:p>
+          <a:p>
+            <a:pPr marL="285750" indent="-285750">
+              <a:buFont typeface="Arial" panose="020B0604020202020204" pitchFamily="34" charset="0"/>
+              <a:buChar char="•"/>
+            </a:pPr>
+            <a:r>
+              <a:rPr lang="en-US" spc="-1" dirty="0" err="1">
+                <a:solidFill>
+                  <a:srgbClr val="1C1C1C"/>
+                </a:solidFill>
+                <a:uFill>
+                  <a:solidFill>
+                    <a:srgbClr val="FFFFFF"/>
+                  </a:solidFill>
+                </a:uFill>
+                <a:latin typeface="Source Sans Pro Semibold"/>
+              </a:rPr>
+              <a:t>NuGet</a:t>
+            </a:r>
+            <a:r>
+              <a:rPr lang="en-US" spc="-1" dirty="0">
+                <a:solidFill>
+                  <a:srgbClr val="1C1C1C"/>
+                </a:solidFill>
+                <a:uFill>
+                  <a:solidFill>
+                    <a:srgbClr val="FFFFFF"/>
+                  </a:solidFill>
+                </a:uFill>
+                <a:latin typeface="Source Sans Pro Semibold"/>
+              </a:rPr>
+              <a:t> pour commencer </a:t>
+            </a:r>
+            <a:r>
+              <a:rPr lang="en-US" spc="-1" dirty="0" err="1">
+                <a:solidFill>
+                  <a:srgbClr val="1C1C1C"/>
+                </a:solidFill>
+                <a:uFill>
+                  <a:solidFill>
+                    <a:srgbClr val="FFFFFF"/>
+                  </a:solidFill>
+                </a:uFill>
+                <a:latin typeface="Source Sans Pro Semibold"/>
+              </a:rPr>
+              <a:t>mais</a:t>
+            </a:r>
+            <a:r>
+              <a:rPr lang="en-US" spc="-1" dirty="0">
+                <a:solidFill>
+                  <a:srgbClr val="1C1C1C"/>
+                </a:solidFill>
+                <a:uFill>
+                  <a:solidFill>
+                    <a:srgbClr val="FFFFFF"/>
+                  </a:solidFill>
+                </a:uFill>
+                <a:latin typeface="Source Sans Pro Semibold"/>
+              </a:rPr>
+              <a:t> extensible à </a:t>
+            </a:r>
+            <a:r>
+              <a:rPr lang="en-US" spc="-1" dirty="0" err="1">
+                <a:solidFill>
+                  <a:srgbClr val="1C1C1C"/>
+                </a:solidFill>
+                <a:uFill>
+                  <a:solidFill>
+                    <a:srgbClr val="FFFFFF"/>
+                  </a:solidFill>
+                </a:uFill>
+                <a:latin typeface="Source Sans Pro Semibold"/>
+              </a:rPr>
+              <a:t>souhait</a:t>
+            </a:r>
+            <a:endParaRPr lang="en-US" strike="noStrike" spc="-1" dirty="0">
+              <a:solidFill>
+                <a:srgbClr val="1C1C1C"/>
+              </a:solidFill>
+              <a:uFill>
+                <a:solidFill>
+                  <a:srgbClr val="FFFFFF"/>
+                </a:solidFill>
+              </a:uFill>
+              <a:latin typeface="Source Sans Pro Semibold"/>
+            </a:endParaRPr>
+          </a:p>
+          <a:p>
+            <a:pPr marL="457200" indent="-457200">
+              <a:buFont typeface="Arial" panose="020B0604020202020204" pitchFamily="34" charset="0"/>
+              <a:buChar char="•"/>
+            </a:pPr>
+            <a:endParaRPr lang="en-US" b="1" strike="noStrike" spc="-1" dirty="0">
               <a:solidFill>
                 <a:srgbClr val="1C1C1C"/>
               </a:solidFill>
@@ -9544,7 +10785,7 @@
               <a:t>utiliser</a:t>
             </a:r>
             <a:r>
-              <a:rPr lang="en-US" sz="2600" strike="noStrike" spc="-1" dirty="0" smtClean="0">
+              <a:rPr lang="en-US" sz="2600" strike="noStrike" spc="-1" dirty="0">
                 <a:solidFill>
                   <a:srgbClr val="1C1C1C"/>
                 </a:solidFill>
@@ -9721,7 +10962,7 @@
               <a:t> </a:t>
             </a:r>
             <a:r>
-              <a:rPr lang="en-US" sz="2600" strike="noStrike" spc="-1" dirty="0" err="1" smtClean="0">
+              <a:rPr lang="en-US" sz="2600" strike="noStrike" spc="-1" dirty="0" err="1">
                 <a:solidFill>
                   <a:srgbClr val="1C1C1C"/>
                 </a:solidFill>
@@ -9735,7 +10976,7 @@
               <a:t>connues</a:t>
             </a:r>
             <a:r>
-              <a:rPr lang="en-US" sz="2600" strike="noStrike" spc="-1" dirty="0" smtClean="0">
+              <a:rPr lang="en-US" sz="2600" strike="noStrike" spc="-1" dirty="0">
                 <a:solidFill>
                   <a:srgbClr val="1C1C1C"/>
                 </a:solidFill>
@@ -9749,7 +10990,7 @@
               <a:t> et </a:t>
             </a:r>
             <a:r>
-              <a:rPr lang="en-US" sz="2600" strike="noStrike" spc="-1" dirty="0" err="1" smtClean="0">
+              <a:rPr lang="en-US" sz="2600" strike="noStrike" spc="-1" dirty="0" err="1">
                 <a:solidFill>
                   <a:srgbClr val="1C1C1C"/>
                 </a:solidFill>
@@ -9763,7 +11004,7 @@
               <a:t>ont</a:t>
             </a:r>
             <a:r>
-              <a:rPr lang="en-US" sz="2600" strike="noStrike" spc="-1" dirty="0" smtClean="0">
+              <a:rPr lang="en-US" sz="2600" strike="noStrike" spc="-1" dirty="0">
                 <a:solidFill>
                   <a:srgbClr val="1C1C1C"/>
                 </a:solidFill>
@@ -9777,7 +11018,7 @@
               <a:t> </a:t>
             </a:r>
             <a:r>
-              <a:rPr lang="en-US" sz="2600" strike="noStrike" spc="-1" dirty="0" err="1" smtClean="0">
+              <a:rPr lang="en-US" sz="2600" strike="noStrike" spc="-1" dirty="0" err="1">
                 <a:solidFill>
                   <a:srgbClr val="1C1C1C"/>
                 </a:solidFill>
@@ -9791,7 +11032,7 @@
               <a:t>été</a:t>
             </a:r>
             <a:r>
-              <a:rPr lang="en-US" sz="2600" strike="noStrike" spc="-1" dirty="0" smtClean="0">
+              <a:rPr lang="en-US" sz="2600" strike="noStrike" spc="-1" dirty="0">
                 <a:solidFill>
                   <a:srgbClr val="1C1C1C"/>
                 </a:solidFill>
@@ -9805,7 +11046,7 @@
               <a:t> </a:t>
             </a:r>
             <a:r>
-              <a:rPr lang="en-US" sz="2600" strike="noStrike" spc="-1" dirty="0" err="1" smtClean="0">
+              <a:rPr lang="en-US" sz="2600" strike="noStrike" spc="-1" dirty="0" err="1">
                 <a:solidFill>
                   <a:srgbClr val="1C1C1C"/>
                 </a:solidFill>
@@ -9819,20 +11060,6 @@
               <a:t>utilisé</a:t>
             </a:r>
             <a:r>
-              <a:rPr lang="en-US" sz="2600" strike="noStrike" spc="-1" dirty="0" smtClean="0">
-                <a:solidFill>
-                  <a:srgbClr val="1C1C1C"/>
-                </a:solidFill>
-                <a:uFill>
-                  <a:solidFill>
-                    <a:srgbClr val="FFFFFF"/>
-                  </a:solidFill>
-                </a:uFill>
-                <a:latin typeface="Source Sans Pro Semibold"/>
-              </a:rPr>
-              <a:t> par le passé </a:t>
-            </a:r>
-            <a:r>
               <a:rPr lang="en-US" sz="2600" strike="noStrike" spc="-1" dirty="0">
                 <a:solidFill>
                   <a:srgbClr val="1C1C1C"/>
@@ -9844,7 +11071,7 @@
                 </a:uFill>
                 <a:latin typeface="Source Sans Pro Semibold"/>
               </a:rPr>
-              <a:t>par au </a:t>
+              <a:t> par le passé par au </a:t>
             </a:r>
             <a:r>
               <a:rPr lang="en-US" sz="2600" strike="noStrike" spc="-1" dirty="0" err="1">
@@ -9917,7 +11144,7 @@
               <a:t>groupe</a:t>
             </a:r>
             <a:r>
-              <a:rPr lang="en-US" sz="2600" strike="noStrike" spc="-1" dirty="0" smtClean="0">
+              <a:rPr lang="en-US" sz="2600" strike="noStrike" spc="-1" dirty="0">
                 <a:solidFill>
                   <a:srgbClr val="1C1C1C"/>
                 </a:solidFill>
@@ -10454,7 +11681,7 @@
               <a:t>visuels</a:t>
             </a:r>
             <a:r>
-              <a:rPr lang="en-US" sz="2600" strike="noStrike" spc="-1" dirty="0" smtClean="0">
+              <a:rPr lang="en-US" sz="2600" strike="noStrike" spc="-1" dirty="0">
                 <a:solidFill>
                   <a:srgbClr val="1C1C1C"/>
                 </a:solidFill>
@@ -10544,38 +11771,80 @@
                 </a:uFill>
                 <a:latin typeface="Source Sans Pro Semibold"/>
               </a:rPr>
+              <a:t> ASP.NET, </a:t>
+            </a:r>
+            <a:r>
+              <a:rPr lang="en-US" sz="2600" strike="noStrike" spc="-1" dirty="0" err="1">
+                <a:solidFill>
+                  <a:srgbClr val="1C1C1C"/>
+                </a:solidFill>
+                <a:uFill>
+                  <a:solidFill>
+                    <a:srgbClr val="FFFFFF"/>
+                  </a:solidFill>
+                </a:uFill>
+                <a:latin typeface="Source Sans Pro Semibold"/>
+              </a:rPr>
+              <a:t>l’API</a:t>
+            </a:r>
+            <a:r>
+              <a:rPr lang="en-US" sz="2600" strike="noStrike" spc="-1" dirty="0">
+                <a:solidFill>
+                  <a:srgbClr val="1C1C1C"/>
+                </a:solidFill>
+                <a:uFill>
+                  <a:solidFill>
+                    <a:srgbClr val="FFFFFF"/>
+                  </a:solidFill>
+                </a:uFill>
+                <a:latin typeface="Source Sans Pro Semibold"/>
+              </a:rPr>
               <a:t> </a:t>
             </a:r>
             <a:r>
-              <a:rPr lang="en-US" sz="2600" strike="noStrike" spc="-1" dirty="0" smtClean="0">
-                <a:solidFill>
-                  <a:srgbClr val="1C1C1C"/>
-                </a:solidFill>
-                <a:uFill>
-                  <a:solidFill>
-                    <a:srgbClr val="FFFFFF"/>
-                  </a:solidFill>
-                </a:uFill>
-                <a:latin typeface="Source Sans Pro Semibold"/>
-              </a:rPr>
-              <a:t>ASP.NET, </a:t>
-            </a:r>
-            <a:r>
-              <a:rPr lang="en-US" sz="2600" strike="noStrike" spc="-1" dirty="0" err="1" smtClean="0">
-                <a:solidFill>
-                  <a:srgbClr val="1C1C1C"/>
-                </a:solidFill>
-                <a:uFill>
-                  <a:solidFill>
-                    <a:srgbClr val="FFFFFF"/>
-                  </a:solidFill>
-                </a:uFill>
-                <a:latin typeface="Source Sans Pro Semibold"/>
-              </a:rPr>
-              <a:t>l’API</a:t>
-            </a:r>
-            <a:r>
-              <a:rPr lang="en-US" sz="2600" strike="noStrike" spc="-1" dirty="0" smtClean="0">
+              <a:rPr lang="en-US" sz="2600" strike="noStrike" spc="-1" dirty="0" err="1">
+                <a:solidFill>
+                  <a:srgbClr val="1C1C1C"/>
+                </a:solidFill>
+                <a:uFill>
+                  <a:solidFill>
+                    <a:srgbClr val="FFFFFF"/>
+                  </a:solidFill>
+                </a:uFill>
+                <a:latin typeface="Source Sans Pro Semibold"/>
+              </a:rPr>
+              <a:t>NuGet</a:t>
+            </a:r>
+            <a:r>
+              <a:rPr lang="en-US" sz="2600" strike="noStrike" spc="-1" dirty="0">
+                <a:solidFill>
+                  <a:srgbClr val="1C1C1C"/>
+                </a:solidFill>
+                <a:uFill>
+                  <a:solidFill>
+                    <a:srgbClr val="FFFFFF"/>
+                  </a:solidFill>
+                </a:uFill>
+                <a:latin typeface="Source Sans Pro Semibold"/>
+              </a:rPr>
+              <a:t>, </a:t>
+            </a:r>
+            <a:r>
+              <a:rPr lang="en-US" sz="2600" strike="noStrike" spc="-1" dirty="0" err="1">
+                <a:solidFill>
+                  <a:srgbClr val="1C1C1C"/>
+                </a:solidFill>
+                <a:uFill>
+                  <a:solidFill>
+                    <a:srgbClr val="FFFFFF"/>
+                  </a:solidFill>
+                </a:uFill>
+                <a:latin typeface="Source Sans Pro Semibold"/>
+              </a:rPr>
+              <a:t>ainsi</a:t>
+            </a:r>
+            <a:r>
+              <a:rPr lang="en-US" sz="2600" strike="noStrike" spc="-1" dirty="0">
                 <a:solidFill>
                   <a:srgbClr val="1C1C1C"/>
                 </a:solidFill>
@@ -10600,7 +11869,7 @@
                 </a:uFill>
                 <a:latin typeface="Source Sans Pro Semibold"/>
               </a:rPr>
-              <a:t>NuGet</a:t>
+              <a:t>qu’une</a:t>
             </a:r>
             <a:r>
               <a:rPr lang="en-US" sz="2600" strike="noStrike" spc="-1" dirty="0">
@@ -10614,7 +11883,7 @@
                 </a:uFill>
                 <a:latin typeface="Source Sans Pro Semibold"/>
               </a:rPr>
-              <a:t>, </a:t>
+              <a:t> base de </a:t>
             </a:r>
             <a:r>
               <a:rPr lang="en-US" sz="2600" strike="noStrike" spc="-1" dirty="0" err="1">
@@ -10628,7 +11897,7 @@
                 </a:uFill>
                 <a:latin typeface="Source Sans Pro Semibold"/>
               </a:rPr>
-              <a:t>ainsi</a:t>
+              <a:t>données</a:t>
             </a:r>
             <a:r>
               <a:rPr lang="en-US" sz="2600" strike="noStrike" spc="-1" dirty="0">
@@ -10642,77 +11911,7 @@
                 </a:uFill>
                 <a:latin typeface="Source Sans Pro Semibold"/>
               </a:rPr>
-              <a:t> </a:t>
-            </a:r>
-            <a:r>
-              <a:rPr lang="en-US" sz="2600" strike="noStrike" spc="-1" dirty="0" err="1">
-                <a:solidFill>
-                  <a:srgbClr val="1C1C1C"/>
-                </a:solidFill>
-                <a:uFill>
-                  <a:solidFill>
-                    <a:srgbClr val="FFFFFF"/>
-                  </a:solidFill>
-                </a:uFill>
-                <a:latin typeface="Source Sans Pro Semibold"/>
-              </a:rPr>
-              <a:t>qu’une</a:t>
-            </a:r>
-            <a:r>
-              <a:rPr lang="en-US" sz="2600" strike="noStrike" spc="-1" dirty="0">
-                <a:solidFill>
-                  <a:srgbClr val="1C1C1C"/>
-                </a:solidFill>
-                <a:uFill>
-                  <a:solidFill>
-                    <a:srgbClr val="FFFFFF"/>
-                  </a:solidFill>
-                </a:uFill>
-                <a:latin typeface="Source Sans Pro Semibold"/>
-              </a:rPr>
-              <a:t> base de </a:t>
-            </a:r>
-            <a:r>
-              <a:rPr lang="en-US" sz="2600" strike="noStrike" spc="-1" dirty="0" err="1">
-                <a:solidFill>
-                  <a:srgbClr val="1C1C1C"/>
-                </a:solidFill>
-                <a:uFill>
-                  <a:solidFill>
-                    <a:srgbClr val="FFFFFF"/>
-                  </a:solidFill>
-                </a:uFill>
-                <a:latin typeface="Source Sans Pro Semibold"/>
-              </a:rPr>
-              <a:t>données</a:t>
-            </a:r>
-            <a:r>
-              <a:rPr lang="en-US" sz="2600" strike="noStrike" spc="-1" dirty="0">
-                <a:solidFill>
-                  <a:srgbClr val="1C1C1C"/>
-                </a:solidFill>
-                <a:uFill>
-                  <a:solidFill>
-                    <a:srgbClr val="FFFFFF"/>
-                  </a:solidFill>
-                </a:uFill>
-                <a:latin typeface="Source Sans Pro Semibold"/>
-              </a:rPr>
-              <a:t> Azure Tables</a:t>
-            </a:r>
-            <a:r>
-              <a:rPr lang="en-US" sz="2600" strike="noStrike" spc="-1" dirty="0" smtClean="0">
-                <a:solidFill>
-                  <a:srgbClr val="1C1C1C"/>
-                </a:solidFill>
-                <a:uFill>
-                  <a:solidFill>
-                    <a:srgbClr val="FFFFFF"/>
-                  </a:solidFill>
-                </a:uFill>
-                <a:latin typeface="Source Sans Pro Semibold"/>
-              </a:rPr>
-              <a:t>.</a:t>
+              <a:t> Azure Tables.</a:t>
             </a:r>
           </a:p>
           <a:p>
@@ -11158,7 +12357,7 @@
               <a:t> de vive </a:t>
             </a:r>
             <a:r>
-              <a:rPr lang="en-US" sz="2600" strike="noStrike" spc="-1" dirty="0" err="1" smtClean="0">
+              <a:rPr lang="en-US" sz="2600" strike="noStrike" spc="-1" dirty="0" err="1">
                 <a:solidFill>
                   <a:srgbClr val="1C1C1C"/>
                 </a:solidFill>
@@ -11172,7 +12371,7 @@
               <a:t>voix</a:t>
             </a:r>
             <a:r>
-              <a:rPr lang="en-US" sz="2600" spc="-1" dirty="0" smtClean="0">
+              <a:rPr lang="en-US" sz="2600" spc="-1" dirty="0">
                 <a:solidFill>
                   <a:srgbClr val="1C1C1C"/>
                 </a:solidFill>
@@ -11186,7 +12385,7 @@
               <a:t>, </a:t>
             </a:r>
             <a:r>
-              <a:rPr lang="en-US" sz="2600" strike="noStrike" spc="-1" dirty="0" smtClean="0">
+              <a:rPr lang="en-US" sz="2600" strike="noStrike" spc="-1" dirty="0">
                 <a:solidFill>
                   <a:srgbClr val="1C1C1C"/>
                 </a:solidFill>
@@ -11307,7 +12506,7 @@
               <a:t> </a:t>
             </a:r>
             <a:r>
-              <a:rPr lang="en-US" sz="2600" strike="noStrike" spc="-1" dirty="0" err="1" smtClean="0">
+              <a:rPr lang="en-US" sz="2600" strike="noStrike" spc="-1" dirty="0" err="1">
                 <a:solidFill>
                   <a:srgbClr val="1C1C1C"/>
                 </a:solidFill>
@@ -11321,20 +12520,6 @@
               <a:t>accomplies</a:t>
             </a:r>
             <a:r>
-              <a:rPr lang="en-US" sz="2600" strike="noStrike" spc="-1" dirty="0" smtClean="0">
-                <a:solidFill>
-                  <a:srgbClr val="1C1C1C"/>
-                </a:solidFill>
-                <a:uFill>
-                  <a:solidFill>
-                    <a:srgbClr val="FFFFFF"/>
-                  </a:solidFill>
-                </a:uFill>
-                <a:latin typeface="Source Sans Pro Semibold"/>
-              </a:rPr>
-              <a:t> </a:t>
-            </a:r>
-            <a:r>
               <a:rPr lang="en-US" sz="2600" strike="noStrike" spc="-1" dirty="0">
                 <a:solidFill>
                   <a:srgbClr val="1C1C1C"/>
@@ -11346,49 +12531,7 @@
                 </a:uFill>
                 <a:latin typeface="Source Sans Pro Semibold"/>
               </a:rPr>
-              <a:t>et à faire, et </a:t>
-            </a:r>
-            <a:r>
-              <a:rPr lang="en-US" sz="2600" strike="noStrike" spc="-1" dirty="0" smtClean="0">
-                <a:solidFill>
-                  <a:srgbClr val="1C1C1C"/>
-                </a:solidFill>
-                <a:uFill>
-                  <a:solidFill>
-                    <a:srgbClr val="FFFFFF"/>
-                  </a:solidFill>
-                </a:uFill>
-                <a:latin typeface="Source Sans Pro Semibold"/>
-              </a:rPr>
-              <a:t>les attributions </a:t>
-            </a:r>
-            <a:r>
-              <a:rPr lang="en-US" sz="2600" strike="noStrike" spc="-1" dirty="0">
-                <a:solidFill>
-                  <a:srgbClr val="1C1C1C"/>
-                </a:solidFill>
-                <a:uFill>
-                  <a:solidFill>
-                    <a:srgbClr val="FFFFFF"/>
-                  </a:solidFill>
-                </a:uFill>
-                <a:latin typeface="Source Sans Pro Semibold"/>
-              </a:rPr>
-              <a:t>via Trello</a:t>
-            </a:r>
-            <a:r>
-              <a:rPr lang="en-US" sz="2600" strike="noStrike" spc="-1" dirty="0" smtClean="0">
-                <a:solidFill>
-                  <a:srgbClr val="1C1C1C"/>
-                </a:solidFill>
-                <a:uFill>
-                  <a:solidFill>
-                    <a:srgbClr val="FFFFFF"/>
-                  </a:solidFill>
-                </a:uFill>
-                <a:latin typeface="Source Sans Pro Semibold"/>
-              </a:rPr>
-              <a:t>.</a:t>
+              <a:t> et à faire, et les attributions via Trello.</a:t>
             </a:r>
           </a:p>
           <a:p>
@@ -11870,7 +13013,7 @@
               <a:t> place </a:t>
             </a:r>
             <a:r>
-              <a:rPr lang="en-US" spc="-1" dirty="0" err="1" smtClean="0">
+              <a:rPr lang="en-US" spc="-1" dirty="0" err="1">
                 <a:solidFill>
                   <a:srgbClr val="1C1C1C"/>
                 </a:solidFill>
@@ -11884,7 +13027,7 @@
               <a:t>une</a:t>
             </a:r>
             <a:r>
-              <a:rPr lang="en-US" strike="noStrike" spc="-1" dirty="0" smtClean="0">
+              <a:rPr lang="en-US" strike="noStrike" spc="-1" dirty="0">
                 <a:solidFill>
                   <a:srgbClr val="1C1C1C"/>
                 </a:solidFill>
@@ -11923,24 +13066,10 @@
                 </a:uFill>
                 <a:latin typeface="Source Sans Pro Semibold"/>
               </a:rPr>
-              <a:t> de </a:t>
-            </a:r>
-            <a:r>
-              <a:rPr lang="en-US" strike="noStrike" spc="-1" dirty="0" smtClean="0">
-                <a:solidFill>
-                  <a:srgbClr val="1C1C1C"/>
-                </a:solidFill>
-                <a:uFill>
-                  <a:solidFill>
-                    <a:srgbClr val="FFFFFF"/>
-                  </a:solidFill>
-                </a:uFill>
-                <a:latin typeface="Source Sans Pro Semibold"/>
-              </a:rPr>
-              <a:t>build </a:t>
-            </a:r>
-            <a:r>
-              <a:rPr lang="en-US" strike="noStrike" spc="-1" dirty="0" err="1" smtClean="0">
+              <a:t> de build </a:t>
+            </a:r>
+            <a:r>
+              <a:rPr lang="en-US" strike="noStrike" spc="-1" dirty="0" err="1">
                 <a:solidFill>
                   <a:srgbClr val="1C1C1C"/>
                 </a:solidFill>
@@ -11954,7 +13083,7 @@
               <a:t>comportant</a:t>
             </a:r>
             <a:r>
-              <a:rPr lang="en-US" strike="noStrike" spc="-1" dirty="0" smtClean="0">
+              <a:rPr lang="en-US" strike="noStrike" spc="-1" dirty="0">
                 <a:solidFill>
                   <a:srgbClr val="1C1C1C"/>
                 </a:solidFill>
@@ -11968,7 +13097,7 @@
               <a:t> le </a:t>
             </a:r>
             <a:r>
-              <a:rPr lang="en-US" strike="noStrike" spc="-1" dirty="0" err="1" smtClean="0">
+              <a:rPr lang="en-US" strike="noStrike" spc="-1" dirty="0" err="1">
                 <a:solidFill>
                   <a:srgbClr val="1C1C1C"/>
                 </a:solidFill>
@@ -11982,7 +13111,7 @@
               <a:t>compilage</a:t>
             </a:r>
             <a:r>
-              <a:rPr lang="en-US" strike="noStrike" spc="-1" dirty="0" smtClean="0">
+              <a:rPr lang="en-US" strike="noStrike" spc="-1" dirty="0">
                 <a:solidFill>
                   <a:srgbClr val="1C1C1C"/>
                 </a:solidFill>
@@ -11996,7 +13125,7 @@
               <a:t>, le </a:t>
             </a:r>
             <a:r>
-              <a:rPr lang="en-US" strike="noStrike" spc="-1" dirty="0" err="1" smtClean="0">
+              <a:rPr lang="en-US" strike="noStrike" spc="-1" dirty="0" err="1">
                 <a:solidFill>
                   <a:srgbClr val="1C1C1C"/>
                 </a:solidFill>
@@ -12010,7 +13139,7 @@
               <a:t>lancement</a:t>
             </a:r>
             <a:r>
-              <a:rPr lang="en-US" strike="noStrike" spc="-1" dirty="0" smtClean="0">
+              <a:rPr lang="en-US" strike="noStrike" spc="-1" dirty="0">
                 <a:solidFill>
                   <a:srgbClr val="1C1C1C"/>
                 </a:solidFill>
@@ -12024,7 +13153,7 @@
               <a:t> des tests </a:t>
             </a:r>
             <a:r>
-              <a:rPr lang="en-US" strike="noStrike" spc="-1" dirty="0" err="1" smtClean="0">
+              <a:rPr lang="en-US" strike="noStrike" spc="-1" dirty="0" err="1">
                 <a:solidFill>
                   <a:srgbClr val="1C1C1C"/>
                 </a:solidFill>
@@ -12038,7 +13167,7 @@
               <a:t>unitaires</a:t>
             </a:r>
             <a:r>
-              <a:rPr lang="en-US" strike="noStrike" spc="-1" dirty="0" smtClean="0">
+              <a:rPr lang="en-US" strike="noStrike" spc="-1" dirty="0">
                 <a:solidFill>
                   <a:srgbClr val="1C1C1C"/>
                 </a:solidFill>
@@ -12052,7 +13181,7 @@
               <a:t> et </a:t>
             </a:r>
             <a:r>
-              <a:rPr lang="en-US" strike="noStrike" spc="-1" dirty="0" err="1" smtClean="0">
+              <a:rPr lang="en-US" strike="noStrike" spc="-1" dirty="0" err="1">
                 <a:solidFill>
                   <a:srgbClr val="1C1C1C"/>
                 </a:solidFill>
@@ -12066,7 +13195,7 @@
               <a:t>une</a:t>
             </a:r>
             <a:r>
-              <a:rPr lang="en-US" strike="noStrike" spc="-1" dirty="0" smtClean="0">
+              <a:rPr lang="en-US" strike="noStrike" spc="-1" dirty="0">
                 <a:solidFill>
                   <a:srgbClr val="1C1C1C"/>
                 </a:solidFill>
@@ -12257,7 +13386,7 @@
               <a:t>opérationnel</a:t>
             </a:r>
             <a:r>
-              <a:rPr lang="en-US" strike="noStrike" spc="-1" dirty="0" smtClean="0">
+              <a:rPr lang="en-US" strike="noStrike" spc="-1" dirty="0">
                 <a:solidFill>
                   <a:srgbClr val="1C1C1C"/>
                 </a:solidFill>
@@ -12431,21 +13560,7 @@
                 </a:uFill>
                 <a:latin typeface="Source Sans Pro Semibold"/>
               </a:rPr>
-              <a:t> back-end</a:t>
-            </a:r>
-            <a:r>
-              <a:rPr lang="en-US" strike="noStrike" spc="-1" dirty="0" smtClean="0">
-                <a:solidFill>
-                  <a:srgbClr val="1C1C1C"/>
-                </a:solidFill>
-                <a:uFill>
-                  <a:solidFill>
-                    <a:srgbClr val="FFFFFF"/>
-                  </a:solidFill>
-                </a:uFill>
-                <a:latin typeface="Source Sans Pro Semibold"/>
-              </a:rPr>
-              <a:t>.</a:t>
+              <a:t> back-end.</a:t>
             </a:r>
           </a:p>
           <a:p>
@@ -13352,4 +14467,299 @@
     </a:ext>
   </a:extLst>
 </a:theme>
+</file>
+
+<file path=ppt/theme/theme3.xml><?xml version="1.0" encoding="utf-8"?>
+<a:theme xmlns:a="http://schemas.openxmlformats.org/drawingml/2006/main" name="Thème Office">
+  <a:themeElements>
+    <a:clrScheme name="Office">
+      <a:dk1>
+        <a:sysClr val="windowText" lastClr="000000"/>
+      </a:dk1>
+      <a:lt1>
+        <a:sysClr val="window" lastClr="FFFFFF"/>
+      </a:lt1>
+      <a:dk2>
+        <a:srgbClr val="44546A"/>
+      </a:dk2>
+      <a:lt2>
+        <a:srgbClr val="E7E6E6"/>
+      </a:lt2>
+      <a:accent1>
+        <a:srgbClr val="5B9BD5"/>
+      </a:accent1>
+      <a:accent2>
+        <a:srgbClr val="ED7D31"/>
+      </a:accent2>
+      <a:accent3>
+        <a:srgbClr val="A5A5A5"/>
+      </a:accent3>
+      <a:accent4>
+        <a:srgbClr val="FFC000"/>
+      </a:accent4>
+      <a:accent5>
+        <a:srgbClr val="4472C4"/>
+      </a:accent5>
+      <a:accent6>
+        <a:srgbClr val="70AD47"/>
+      </a:accent6>
+      <a:hlink>
+        <a:srgbClr val="0563C1"/>
+      </a:hlink>
+      <a:folHlink>
+        <a:srgbClr val="954F72"/>
+      </a:folHlink>
+    </a:clrScheme>
+    <a:fontScheme name="Office">
+      <a:majorFont>
+        <a:latin typeface="Calibri Light" panose="020F0302020204030204"/>
+        <a:ea typeface=""/>
+        <a:cs typeface=""/>
+        <a:font script="Jpan" typeface="游ゴシック Light"/>
+        <a:font script="Hang" typeface="맑은 고딕"/>
+        <a:font script="Hans" typeface="等线 Light"/>
+        <a:font script="Hant" typeface="新細明體"/>
+        <a:font script="Arab" typeface="Times New Roman"/>
+        <a:font script="Hebr" typeface="Times New Roman"/>
+        <a:font script="Thai" typeface="Angsana New"/>
+        <a:font script="Ethi" typeface="Nyala"/>
+        <a:font script="Beng" typeface="Vrinda"/>
+        <a:font script="Gujr" typeface="Shruti"/>
+        <a:font script="Khmr" typeface="MoolBoran"/>
+        <a:font script="Knda" typeface="Tunga"/>
+        <a:font script="Guru" typeface="Raavi"/>
+        <a:font script="Cans" typeface="Euphemia"/>
+        <a:font script="Cher" typeface="Plantagenet Cherokee"/>
+        <a:font script="Yiii" typeface="Microsoft Yi Baiti"/>
+        <a:font script="Tibt" typeface="Microsoft Himalaya"/>
+        <a:font script="Thaa" typeface="MV Boli"/>
+        <a:font script="Deva" typeface="Mangal"/>
+        <a:font script="Telu" typeface="Gautami"/>
+        <a:font script="Taml" typeface="Latha"/>
+        <a:font script="Syrc" typeface="Estrangelo Edessa"/>
+        <a:font script="Orya" typeface="Kalinga"/>
+        <a:font script="Mlym" typeface="Kartika"/>
+        <a:font script="Laoo" typeface="DokChampa"/>
+        <a:font script="Sinh" typeface="Iskoola Pota"/>
+        <a:font script="Mong" typeface="Mongolian Baiti"/>
+        <a:font script="Viet" typeface="Times New Roman"/>
+        <a:font script="Uigh" typeface="Microsoft Uighur"/>
+        <a:font script="Geor" typeface="Sylfaen"/>
+        <a:font script="Armn" typeface="Arial"/>
+        <a:font script="Bugi" typeface="Leelawadee UI"/>
+        <a:font script="Bopo" typeface="Microsoft JhengHei"/>
+        <a:font script="Java" typeface="Javanese Text"/>
+        <a:font script="Lisu" typeface="Segoe UI"/>
+        <a:font script="Mymr" typeface="Myanmar Text"/>
+        <a:font script="Nkoo" typeface="Ebrima"/>
+        <a:font script="Olck" typeface="Nirmala UI"/>
+        <a:font script="Osma" typeface="Ebrima"/>
+        <a:font script="Phag" typeface="Phagspa"/>
+        <a:font script="Syrn" typeface="Estrangelo Edessa"/>
+        <a:font script="Syrj" typeface="Estrangelo Edessa"/>
+        <a:font script="Syre" typeface="Estrangelo Edessa"/>
+        <a:font script="Sora" typeface="Nirmala UI"/>
+        <a:font script="Tale" typeface="Microsoft Tai Le"/>
+        <a:font script="Talu" typeface="Microsoft New Tai Lue"/>
+        <a:font script="Tfng" typeface="Ebrima"/>
+      </a:majorFont>
+      <a:minorFont>
+        <a:latin typeface="Calibri" panose="020F0502020204030204"/>
+        <a:ea typeface=""/>
+        <a:cs typeface=""/>
+        <a:font script="Jpan" typeface="游ゴシック"/>
+        <a:font script="Hang" typeface="맑은 고딕"/>
+        <a:font script="Hans" typeface="等线"/>
+        <a:font script="Hant" typeface="新細明體"/>
+        <a:font script="Arab" typeface="Arial"/>
+        <a:font script="Hebr" typeface="Arial"/>
+        <a:font script="Thai" typeface="Cordia New"/>
+        <a:font script="Ethi" typeface="Nyala"/>
+        <a:font script="Beng" typeface="Vrinda"/>
+        <a:font script="Gujr" typeface="Shruti"/>
+        <a:font script="Khmr" typeface="DaunPenh"/>
+        <a:font script="Knda" typeface="Tunga"/>
+        <a:font script="Guru" typeface="Raavi"/>
+        <a:font script="Cans" typeface="Euphemia"/>
+        <a:font script="Cher" typeface="Plantagenet Cherokee"/>
+        <a:font script="Yiii" typeface="Microsoft Yi Baiti"/>
+        <a:font script="Tibt" typeface="Microsoft Himalaya"/>
+        <a:font script="Thaa" typeface="MV Boli"/>
+        <a:font script="Deva" typeface="Mangal"/>
+        <a:font script="Telu" typeface="Gautami"/>
+        <a:font script="Taml" typeface="Latha"/>
+        <a:font script="Syrc" typeface="Estrangelo Edessa"/>
+        <a:font script="Orya" typeface="Kalinga"/>
+        <a:font script="Mlym" typeface="Kartika"/>
+        <a:font script="Laoo" typeface="DokChampa"/>
+        <a:font script="Sinh" typeface="Iskoola Pota"/>
+        <a:font script="Mong" typeface="Mongolian Baiti"/>
+        <a:font script="Viet" typeface="Arial"/>
+        <a:font script="Uigh" typeface="Microsoft Uighur"/>
+        <a:font script="Geor" typeface="Sylfaen"/>
+        <a:font script="Armn" typeface="Arial"/>
+        <a:font script="Bugi" typeface="Leelawadee UI"/>
+        <a:font script="Bopo" typeface="Microsoft JhengHei"/>
+        <a:font script="Java" typeface="Javanese Text"/>
+        <a:font script="Lisu" typeface="Segoe UI"/>
+        <a:font script="Mymr" typeface="Myanmar Text"/>
+        <a:font script="Nkoo" typeface="Ebrima"/>
+        <a:font script="Olck" typeface="Nirmala UI"/>
+        <a:font script="Osma" typeface="Ebrima"/>
+        <a:font script="Phag" typeface="Phagspa"/>
+        <a:font script="Syrn" typeface="Estrangelo Edessa"/>
+        <a:font script="Syrj" typeface="Estrangelo Edessa"/>
+        <a:font script="Syre" typeface="Estrangelo Edessa"/>
+        <a:font script="Sora" typeface="Nirmala UI"/>
+        <a:font script="Tale" typeface="Microsoft Tai Le"/>
+        <a:font script="Talu" typeface="Microsoft New Tai Lue"/>
+        <a:font script="Tfng" typeface="Ebrima"/>
+      </a:minorFont>
+    </a:fontScheme>
+    <a:fmtScheme name="Office">
+      <a:fillStyleLst>
+        <a:solidFill>
+          <a:schemeClr val="phClr"/>
+        </a:solidFill>
+        <a:gradFill rotWithShape="1">
+          <a:gsLst>
+            <a:gs pos="0">
+              <a:schemeClr val="phClr">
+                <a:lumMod val="110000"/>
+                <a:satMod val="105000"/>
+                <a:tint val="67000"/>
+              </a:schemeClr>
+            </a:gs>
+            <a:gs pos="50000">
+              <a:schemeClr val="phClr">
+                <a:lumMod val="105000"/>
+                <a:satMod val="103000"/>
+                <a:tint val="73000"/>
+              </a:schemeClr>
+            </a:gs>
+            <a:gs pos="100000">
+              <a:schemeClr val="phClr">
+                <a:lumMod val="105000"/>
+                <a:satMod val="109000"/>
+                <a:tint val="81000"/>
+              </a:schemeClr>
+            </a:gs>
+          </a:gsLst>
+          <a:lin ang="5400000" scaled="0"/>
+        </a:gradFill>
+        <a:gradFill rotWithShape="1">
+          <a:gsLst>
+            <a:gs pos="0">
+              <a:schemeClr val="phClr">
+                <a:satMod val="103000"/>
+                <a:lumMod val="102000"/>
+                <a:tint val="94000"/>
+              </a:schemeClr>
+            </a:gs>
+            <a:gs pos="50000">
+              <a:schemeClr val="phClr">
+                <a:satMod val="110000"/>
+                <a:lumMod val="100000"/>
+                <a:shade val="100000"/>
+              </a:schemeClr>
+            </a:gs>
+            <a:gs pos="100000">
+              <a:schemeClr val="phClr">
+                <a:lumMod val="99000"/>
+                <a:satMod val="120000"/>
+                <a:shade val="78000"/>
+              </a:schemeClr>
+            </a:gs>
+          </a:gsLst>
+          <a:lin ang="5400000" scaled="0"/>
+        </a:gradFill>
+      </a:fillStyleLst>
+      <a:lnStyleLst>
+        <a:ln w="6350" cap="flat" cmpd="sng" algn="ctr">
+          <a:solidFill>
+            <a:schemeClr val="phClr"/>
+          </a:solidFill>
+          <a:prstDash val="solid"/>
+          <a:miter lim="800000"/>
+        </a:ln>
+        <a:ln w="12700" cap="flat" cmpd="sng" algn="ctr">
+          <a:solidFill>
+            <a:schemeClr val="phClr"/>
+          </a:solidFill>
+          <a:prstDash val="solid"/>
+          <a:miter lim="800000"/>
+        </a:ln>
+        <a:ln w="19050" cap="flat" cmpd="sng" algn="ctr">
+          <a:solidFill>
+            <a:schemeClr val="phClr"/>
+          </a:solidFill>
+          <a:prstDash val="solid"/>
+          <a:miter lim="800000"/>
+        </a:ln>
+      </a:lnStyleLst>
+      <a:effectStyleLst>
+        <a:effectStyle>
+          <a:effectLst/>
+        </a:effectStyle>
+        <a:effectStyle>
+          <a:effectLst/>
+        </a:effectStyle>
+        <a:effectStyle>
+          <a:effectLst>
+            <a:outerShdw blurRad="57150" dist="19050" dir="5400000" algn="ctr" rotWithShape="0">
+              <a:srgbClr val="000000">
+                <a:alpha val="63000"/>
+              </a:srgbClr>
+            </a:outerShdw>
+          </a:effectLst>
+        </a:effectStyle>
+      </a:effectStyleLst>
+      <a:bgFillStyleLst>
+        <a:solidFill>
+          <a:schemeClr val="phClr"/>
+        </a:solidFill>
+        <a:solidFill>
+          <a:schemeClr val="phClr">
+            <a:tint val="95000"/>
+            <a:satMod val="170000"/>
+          </a:schemeClr>
+        </a:solidFill>
+        <a:gradFill rotWithShape="1">
+          <a:gsLst>
+            <a:gs pos="0">
+              <a:schemeClr val="phClr">
+                <a:tint val="93000"/>
+                <a:satMod val="150000"/>
+                <a:shade val="98000"/>
+                <a:lumMod val="102000"/>
+              </a:schemeClr>
+            </a:gs>
+            <a:gs pos="50000">
+              <a:schemeClr val="phClr">
+                <a:tint val="98000"/>
+                <a:satMod val="130000"/>
+                <a:shade val="90000"/>
+                <a:lumMod val="103000"/>
+              </a:schemeClr>
+            </a:gs>
+            <a:gs pos="100000">
+              <a:schemeClr val="phClr">
+                <a:shade val="63000"/>
+                <a:satMod val="120000"/>
+              </a:schemeClr>
+            </a:gs>
+          </a:gsLst>
+          <a:lin ang="5400000" scaled="0"/>
+        </a:gradFill>
+      </a:bgFillStyleLst>
+    </a:fmtScheme>
+  </a:themeElements>
+  <a:objectDefaults/>
+  <a:extraClrSchemeLst/>
+  <a:extLst>
+    <a:ext uri="{05A4C25C-085E-4340-85A3-A5531E510DB2}">
+      <thm15:themeFamily xmlns:thm15="http://schemas.microsoft.com/office/thememl/2012/main" name="Office Theme" id="{62F939B6-93AF-4DB8-9C6B-D6C7DFDC589F}" vid="{4A3C46E8-61CC-4603-A589-7422A47A8E4A}"/>
+    </a:ext>
+  </a:extLst>
+</a:theme>
 </file>
--- a/Itérations/Présentation IT0.pptx
+++ b/Itérations/Présentation IT0.pptx
@@ -1044,10 +1044,9 @@
           <a:lstStyle/>
           <a:p>
             <a:r>
-              <a:rPr lang="fr-FR"/>
-              <a:t>Antonin</a:t>
-            </a:r>
-            <a:endParaRPr lang="fr-FR"/>
+              <a:rPr lang="fr-FR" dirty="0"/>
+              <a:t>Guillaume</a:t>
+            </a:r>
           </a:p>
         </p:txBody>
       </p:sp>

--- a/Itérations/Présentation IT0.pptx
+++ b/Itérations/Présentation IT0.pptx
@@ -13093,35 +13093,7 @@
                 </a:uFill>
                 <a:latin typeface="Source Sans Pro Semibold"/>
               </a:rPr>
-              <a:t> le </a:t>
-            </a:r>
-            <a:r>
-              <a:rPr lang="en-US" strike="noStrike" spc="-1" dirty="0" err="1">
-                <a:solidFill>
-                  <a:srgbClr val="1C1C1C"/>
-                </a:solidFill>
-                <a:uFill>
-                  <a:solidFill>
-                    <a:srgbClr val="FFFFFF"/>
-                  </a:solidFill>
-                </a:uFill>
-                <a:latin typeface="Source Sans Pro Semibold"/>
-              </a:rPr>
-              <a:t>compilage</a:t>
-            </a:r>
-            <a:r>
-              <a:rPr lang="en-US" strike="noStrike" spc="-1" dirty="0">
-                <a:solidFill>
-                  <a:srgbClr val="1C1C1C"/>
-                </a:solidFill>
-                <a:uFill>
-                  <a:solidFill>
-                    <a:srgbClr val="FFFFFF"/>
-                  </a:solidFill>
-                </a:uFill>
-                <a:latin typeface="Source Sans Pro Semibold"/>
-              </a:rPr>
-              <a:t>, le </a:t>
+              <a:t> la compilation, le </a:t>
             </a:r>
             <a:r>
               <a:rPr lang="en-US" strike="noStrike" spc="-1" dirty="0" err="1">
